--- a/session-3/Session 3.pptx
+++ b/session-3/Session 3.pptx
@@ -5,7 +5,7 @@
     <p:sldMasterId id="2147483648" r:id="rId1"/>
   </p:sldMasterIdLst>
   <p:notesMasterIdLst>
-    <p:notesMasterId r:id="rId15"/>
+    <p:notesMasterId r:id="rId26"/>
   </p:notesMasterIdLst>
   <p:sldIdLst>
     <p:sldId id="256" r:id="rId2"/>
@@ -15,12 +15,23 @@
     <p:sldId id="265" r:id="rId6"/>
     <p:sldId id="259" r:id="rId7"/>
     <p:sldId id="266" r:id="rId8"/>
-    <p:sldId id="268" r:id="rId9"/>
+    <p:sldId id="269" r:id="rId9"/>
     <p:sldId id="267" r:id="rId10"/>
-    <p:sldId id="260" r:id="rId11"/>
+    <p:sldId id="270" r:id="rId11"/>
     <p:sldId id="261" r:id="rId12"/>
-    <p:sldId id="262" r:id="rId13"/>
-    <p:sldId id="263" r:id="rId14"/>
+    <p:sldId id="271" r:id="rId13"/>
+    <p:sldId id="277" r:id="rId14"/>
+    <p:sldId id="273" r:id="rId15"/>
+    <p:sldId id="272" r:id="rId16"/>
+    <p:sldId id="274" r:id="rId17"/>
+    <p:sldId id="275" r:id="rId18"/>
+    <p:sldId id="262" r:id="rId19"/>
+    <p:sldId id="276" r:id="rId20"/>
+    <p:sldId id="278" r:id="rId21"/>
+    <p:sldId id="279" r:id="rId22"/>
+    <p:sldId id="280" r:id="rId23"/>
+    <p:sldId id="260" r:id="rId24"/>
+    <p:sldId id="263" r:id="rId25"/>
   </p:sldIdLst>
   <p:sldSz cx="9144000" cy="5943600"/>
   <p:notesSz cx="6858000" cy="1600200"/>
@@ -228,7 +239,7 @@
             <a:fld id="{7C297133-D644-4CB3-A9A5-B82CDC5AFE95}" type="datetimeFigureOut">
               <a:rPr lang="en-US" smtClean="0"/>
               <a:pPr/>
-              <a:t>9/18/19</a:t>
+              <a:t>9/20/19</a:t>
             </a:fld>
             <a:endParaRPr lang="en-US"/>
           </a:p>
@@ -496,6 +507,91 @@
     </a:lvl9pPr>
   </p:notesStyle>
 </p:notesMaster>
+</file>
+
+<file path=ppt/notesSlides/notesSlide1.xml><?xml version="1.0" encoding="utf-8"?>
+<p:notes xmlns:a="http://schemas.openxmlformats.org/drawingml/2006/main" xmlns:r="http://schemas.openxmlformats.org/officeDocument/2006/relationships" xmlns:p="http://schemas.openxmlformats.org/presentationml/2006/main">
+  <p:cSld>
+    <p:spTree>
+      <p:nvGrpSpPr>
+        <p:cNvPr id="1" name=""/>
+        <p:cNvGrpSpPr/>
+        <p:nvPr/>
+      </p:nvGrpSpPr>
+      <p:grpSpPr>
+        <a:xfrm>
+          <a:off x="0" y="0"/>
+          <a:ext cx="0" cy="0"/>
+          <a:chOff x="0" y="0"/>
+          <a:chExt cx="0" cy="0"/>
+        </a:xfrm>
+      </p:grpSpPr>
+      <p:sp>
+        <p:nvSpPr>
+          <p:cNvPr id="2" name="Slide Image Placeholder 1"/>
+          <p:cNvSpPr>
+            <a:spLocks noGrp="1" noRot="1" noChangeAspect="1"/>
+          </p:cNvSpPr>
+          <p:nvPr>
+            <p:ph type="sldImg"/>
+          </p:nvPr>
+        </p:nvSpPr>
+        <p:spPr/>
+      </p:sp>
+      <p:sp>
+        <p:nvSpPr>
+          <p:cNvPr id="3" name="Notes Placeholder 2"/>
+          <p:cNvSpPr>
+            <a:spLocks noGrp="1"/>
+          </p:cNvSpPr>
+          <p:nvPr>
+            <p:ph type="body" idx="1"/>
+          </p:nvPr>
+        </p:nvSpPr>
+        <p:spPr/>
+        <p:txBody>
+          <a:bodyPr/>
+          <a:lstStyle/>
+          <a:p>
+            <a:endParaRPr lang="en-US" dirty="0"/>
+          </a:p>
+        </p:txBody>
+      </p:sp>
+      <p:sp>
+        <p:nvSpPr>
+          <p:cNvPr id="4" name="Slide Number Placeholder 3"/>
+          <p:cNvSpPr>
+            <a:spLocks noGrp="1"/>
+          </p:cNvSpPr>
+          <p:nvPr>
+            <p:ph type="sldNum" sz="quarter" idx="5"/>
+          </p:nvPr>
+        </p:nvSpPr>
+        <p:spPr/>
+        <p:txBody>
+          <a:bodyPr/>
+          <a:lstStyle/>
+          <a:p>
+            <a:fld id="{9686BEE1-AA54-477F-BFBB-94509BC715A9}" type="slidenum">
+              <a:rPr lang="en-US" smtClean="0"/>
+              <a:pPr/>
+              <a:t>21</a:t>
+            </a:fld>
+            <a:endParaRPr lang="en-US"/>
+          </a:p>
+        </p:txBody>
+      </p:sp>
+    </p:spTree>
+    <p:extLst>
+      <p:ext uri="{BB962C8B-B14F-4D97-AF65-F5344CB8AC3E}">
+        <p14:creationId xmlns:p14="http://schemas.microsoft.com/office/powerpoint/2010/main" val="2241639522"/>
+      </p:ext>
+    </p:extLst>
+  </p:cSld>
+  <p:clrMapOvr>
+    <a:masterClrMapping/>
+  </p:clrMapOvr>
+</p:notes>
 </file>
 
 <file path=ppt/slideLayouts/slideLayout1.xml><?xml version="1.0" encoding="utf-8"?>
@@ -11233,7 +11329,7 @@
           <p:cNvPr id="2" name="Title 1">
             <a:extLst>
               <a:ext uri="{FF2B5EF4-FFF2-40B4-BE49-F238E27FC236}">
-                <a16:creationId xmlns:a16="http://schemas.microsoft.com/office/drawing/2014/main" id="{8A37E0F3-5C7F-9C42-BA43-8C258C95FBF0}"/>
+                <a16:creationId xmlns:a16="http://schemas.microsoft.com/office/drawing/2014/main" id="{C4C5CB2E-28A0-5149-BD78-8E26FDF21274}"/>
               </a:ext>
             </a:extLst>
           </p:cNvPr>
@@ -11250,9 +11346,10 @@
           <a:lstStyle/>
           <a:p>
             <a:r>
-              <a:rPr lang="en-US"/>
-              <a:t>HTTP Module</a:t>
-            </a:r>
+              <a:rPr lang="en-US" dirty="0" err="1"/>
+              <a:t>ngSubmit</a:t>
+            </a:r>
+            <a:endParaRPr lang="en-US" dirty="0"/>
           </a:p>
         </p:txBody>
       </p:sp>
@@ -11261,7 +11358,7 @@
           <p:cNvPr id="3" name="Content Placeholder 2">
             <a:extLst>
               <a:ext uri="{FF2B5EF4-FFF2-40B4-BE49-F238E27FC236}">
-                <a16:creationId xmlns:a16="http://schemas.microsoft.com/office/drawing/2014/main" id="{BF8BC1C7-0ED9-614E-8ECD-64A7D830697D}"/>
+                <a16:creationId xmlns:a16="http://schemas.microsoft.com/office/drawing/2014/main" id="{C272DACA-2473-E549-97A9-35584E8B5F93}"/>
               </a:ext>
             </a:extLst>
           </p:cNvPr>
@@ -11277,7 +11374,33 @@
           <a:bodyPr/>
           <a:lstStyle/>
           <a:p>
-            <a:endParaRPr lang="en-US"/>
+            <a:r>
+              <a:rPr lang="en-US" dirty="0"/>
+              <a:t>Angular fires an event called </a:t>
+            </a:r>
+            <a:r>
+              <a:rPr lang="en-US" dirty="0" err="1">
+                <a:solidFill>
+                  <a:schemeClr val="tx2">
+                    <a:lumMod val="60000"/>
+                    <a:lumOff val="40000"/>
+                  </a:schemeClr>
+                </a:solidFill>
+                <a:latin typeface="Consolas" panose="020B0609020204030204" pitchFamily="49" charset="0"/>
+                <a:cs typeface="Consolas" panose="020B0609020204030204" pitchFamily="49" charset="0"/>
+              </a:rPr>
+              <a:t>ngSubmit</a:t>
+            </a:r>
+            <a:r>
+              <a:rPr lang="en-US" dirty="0"/>
+              <a:t> when the form is submitted. We can bind it to a method we want.</a:t>
+            </a:r>
+          </a:p>
+          <a:p>
+            <a:r>
+              <a:rPr lang="en-US" dirty="0"/>
+              <a:t>The event is fired when a button of type submit is clicked. It's also fired when you hit enter on some types of form fields. </a:t>
+            </a:r>
           </a:p>
         </p:txBody>
       </p:sp>
@@ -11286,7 +11409,7 @@
           <p:cNvPr id="4" name="Slide Number Placeholder 3">
             <a:extLst>
               <a:ext uri="{FF2B5EF4-FFF2-40B4-BE49-F238E27FC236}">
-                <a16:creationId xmlns:a16="http://schemas.microsoft.com/office/drawing/2014/main" id="{0FCAF5CE-A45C-9C46-B2AE-8A7A21035F48}"/>
+                <a16:creationId xmlns:a16="http://schemas.microsoft.com/office/drawing/2014/main" id="{412409C6-2727-5D47-9F6F-DFFACBBED87B}"/>
               </a:ext>
             </a:extLst>
           </p:cNvPr>
@@ -11314,7 +11437,7 @@
     </p:spTree>
     <p:extLst>
       <p:ext uri="{BB962C8B-B14F-4D97-AF65-F5344CB8AC3E}">
-        <p14:creationId xmlns:p14="http://schemas.microsoft.com/office/powerpoint/2010/main" val="1275575194"/>
+        <p14:creationId xmlns:p14="http://schemas.microsoft.com/office/powerpoint/2010/main" val="1750785538"/>
       </p:ext>
     </p:extLst>
   </p:cSld>
@@ -11362,7 +11485,10 @@
           <a:bodyPr/>
           <a:lstStyle/>
           <a:p>
-            <a:endParaRPr lang="en-US"/>
+            <a:r>
+              <a:rPr lang="en-US" dirty="0"/>
+              <a:t>Model-driven forms</a:t>
+            </a:r>
           </a:p>
         </p:txBody>
       </p:sp>
@@ -11387,7 +11513,28 @@
           <a:bodyPr/>
           <a:lstStyle/>
           <a:p>
-            <a:endParaRPr lang="en-US"/>
+            <a:r>
+              <a:rPr lang="en-US" dirty="0"/>
+              <a:t>Reactive forms, or model-driven forms, take longer to set up, but they have advantages.</a:t>
+            </a:r>
+          </a:p>
+          <a:p>
+            <a:endParaRPr lang="en-US" dirty="0"/>
+          </a:p>
+          <a:p>
+            <a:r>
+              <a:rPr lang="en-US" dirty="0"/>
+              <a:t>Complex validation is easier in reactive forms.</a:t>
+            </a:r>
+          </a:p>
+          <a:p>
+            <a:endParaRPr lang="en-US" dirty="0"/>
+          </a:p>
+          <a:p>
+            <a:r>
+              <a:rPr lang="en-US" dirty="0"/>
+              <a:t>Unlike template-driven forms, these forms are immutable. This means that for every modification, they return a new value, instead of updating the same value.</a:t>
+            </a:r>
           </a:p>
         </p:txBody>
       </p:sp>
@@ -11456,7 +11603,7 @@
           <p:cNvPr id="2" name="Title 1">
             <a:extLst>
               <a:ext uri="{FF2B5EF4-FFF2-40B4-BE49-F238E27FC236}">
-                <a16:creationId xmlns:a16="http://schemas.microsoft.com/office/drawing/2014/main" id="{E1BA1772-2830-7E44-A4ED-976F190FDCE5}"/>
+                <a16:creationId xmlns:a16="http://schemas.microsoft.com/office/drawing/2014/main" id="{76890950-53C4-F84B-9F71-C7B7F0D8D3BB}"/>
               </a:ext>
             </a:extLst>
           </p:cNvPr>
@@ -11472,41 +11619,55 @@
           <a:bodyPr/>
           <a:lstStyle/>
           <a:p>
-            <a:endParaRPr lang="en-US"/>
+            <a:r>
+              <a:rPr lang="en-US" dirty="0" err="1"/>
+              <a:t>FormControl</a:t>
+            </a:r>
+            <a:endParaRPr lang="en-US" dirty="0"/>
           </a:p>
         </p:txBody>
       </p:sp>
-      <p:sp>
-        <p:nvSpPr>
-          <p:cNvPr id="3" name="Content Placeholder 2">
+      <p:pic>
+        <p:nvPicPr>
+          <p:cNvPr id="6" name="Content Placeholder 5">
             <a:extLst>
               <a:ext uri="{FF2B5EF4-FFF2-40B4-BE49-F238E27FC236}">
-                <a16:creationId xmlns:a16="http://schemas.microsoft.com/office/drawing/2014/main" id="{503D0A95-FC4C-0D4A-9D36-DFD913687BDD}"/>
+                <a16:creationId xmlns:a16="http://schemas.microsoft.com/office/drawing/2014/main" id="{8AF63475-CF4A-864D-8BBA-0EBFDF4F7995}"/>
               </a:ext>
             </a:extLst>
           </p:cNvPr>
-          <p:cNvSpPr>
-            <a:spLocks noGrp="1"/>
-          </p:cNvSpPr>
+          <p:cNvPicPr>
+            <a:picLocks noGrp="1" noChangeAspect="1"/>
+          </p:cNvPicPr>
           <p:nvPr>
             <p:ph idx="1"/>
           </p:nvPr>
-        </p:nvSpPr>
-        <p:spPr/>
-        <p:txBody>
-          <a:bodyPr/>
-          <a:lstStyle/>
-          <a:p>
-            <a:endParaRPr lang="en-US"/>
-          </a:p>
-        </p:txBody>
-      </p:sp>
+        </p:nvPicPr>
+        <p:blipFill>
+          <a:blip r:embed="rId2">
+            <a:extLst>
+              <a:ext uri="{28A0092B-C50C-407E-A947-70E740481C1C}">
+                <a14:useLocalDpi xmlns:a14="http://schemas.microsoft.com/office/drawing/2010/main" val="0"/>
+              </a:ext>
+            </a:extLst>
+          </a:blip>
+          <a:stretch>
+            <a:fillRect/>
+          </a:stretch>
+        </p:blipFill>
+        <p:spPr>
+          <a:xfrm>
+            <a:off x="4382442" y="3422149"/>
+            <a:ext cx="4686300" cy="1447800"/>
+          </a:xfrm>
+        </p:spPr>
+      </p:pic>
       <p:sp>
         <p:nvSpPr>
           <p:cNvPr id="4" name="Slide Number Placeholder 3">
             <a:extLst>
               <a:ext uri="{FF2B5EF4-FFF2-40B4-BE49-F238E27FC236}">
-                <a16:creationId xmlns:a16="http://schemas.microsoft.com/office/drawing/2014/main" id="{10D99D21-50AB-924C-BDD6-D11CEB74E3ED}"/>
+                <a16:creationId xmlns:a16="http://schemas.microsoft.com/office/drawing/2014/main" id="{FA2AED82-8862-7B43-B459-28401DAEA591}"/>
               </a:ext>
             </a:extLst>
           </p:cNvPr>
@@ -11531,10 +11692,92 @@
           </a:p>
         </p:txBody>
       </p:sp>
+      <p:pic>
+        <p:nvPicPr>
+          <p:cNvPr id="8" name="Picture 7">
+            <a:extLst>
+              <a:ext uri="{FF2B5EF4-FFF2-40B4-BE49-F238E27FC236}">
+                <a16:creationId xmlns:a16="http://schemas.microsoft.com/office/drawing/2014/main" id="{B64C7A18-F1CB-624D-8D2E-A0660BA81B85}"/>
+              </a:ext>
+            </a:extLst>
+          </p:cNvPr>
+          <p:cNvPicPr>
+            <a:picLocks noChangeAspect="1"/>
+          </p:cNvPicPr>
+          <p:nvPr/>
+        </p:nvPicPr>
+        <p:blipFill>
+          <a:blip r:embed="rId3">
+            <a:extLst>
+              <a:ext uri="{28A0092B-C50C-407E-A947-70E740481C1C}">
+                <a14:useLocalDpi xmlns:a14="http://schemas.microsoft.com/office/drawing/2010/main" val="0"/>
+              </a:ext>
+            </a:extLst>
+          </a:blip>
+          <a:stretch>
+            <a:fillRect/>
+          </a:stretch>
+        </p:blipFill>
+        <p:spPr>
+          <a:xfrm>
+            <a:off x="284421" y="3409686"/>
+            <a:ext cx="3429000" cy="939800"/>
+          </a:xfrm>
+          <a:prstGeom prst="rect">
+            <a:avLst/>
+          </a:prstGeom>
+        </p:spPr>
+      </p:pic>
+      <p:sp>
+        <p:nvSpPr>
+          <p:cNvPr id="10" name="TextBox 9">
+            <a:extLst>
+              <a:ext uri="{FF2B5EF4-FFF2-40B4-BE49-F238E27FC236}">
+                <a16:creationId xmlns:a16="http://schemas.microsoft.com/office/drawing/2014/main" id="{64C2D6B3-B5DD-B640-AB24-CF0E6937F83B}"/>
+              </a:ext>
+            </a:extLst>
+          </p:cNvPr>
+          <p:cNvSpPr txBox="1"/>
+          <p:nvPr/>
+        </p:nvSpPr>
+        <p:spPr>
+          <a:xfrm>
+            <a:off x="935666" y="1616149"/>
+            <a:ext cx="7060018" cy="646331"/>
+          </a:xfrm>
+          <a:prstGeom prst="rect">
+            <a:avLst/>
+          </a:prstGeom>
+          <a:noFill/>
+        </p:spPr>
+        <p:txBody>
+          <a:bodyPr wrap="square" rtlCol="0">
+            <a:spAutoFit/>
+          </a:bodyPr>
+          <a:lstStyle/>
+          <a:p>
+            <a:r>
+              <a:rPr lang="en-IN" dirty="0"/>
+              <a:t>The </a:t>
+            </a:r>
+            <a:r>
+              <a:rPr lang="en-IN" dirty="0">
+                <a:hlinkClick r:id="rId4"/>
+              </a:rPr>
+              <a:t>FormControl</a:t>
+            </a:r>
+            <a:r>
+              <a:rPr lang="en-IN" dirty="0"/>
+              <a:t> class is the basic building block when using reactive forms. </a:t>
+            </a:r>
+            <a:endParaRPr lang="en-US" dirty="0"/>
+          </a:p>
+        </p:txBody>
+      </p:sp>
     </p:spTree>
     <p:extLst>
       <p:ext uri="{BB962C8B-B14F-4D97-AF65-F5344CB8AC3E}">
-        <p14:creationId xmlns:p14="http://schemas.microsoft.com/office/powerpoint/2010/main" val="42110431"/>
+        <p14:creationId xmlns:p14="http://schemas.microsoft.com/office/powerpoint/2010/main" val="499603719"/>
       </p:ext>
     </p:extLst>
   </p:cSld>
@@ -11566,7 +11809,7 @@
           <p:cNvPr id="2" name="Title 1">
             <a:extLst>
               <a:ext uri="{FF2B5EF4-FFF2-40B4-BE49-F238E27FC236}">
-                <a16:creationId xmlns:a16="http://schemas.microsoft.com/office/drawing/2014/main" id="{7772156D-1086-1C4F-8D7C-7AEF751435DA}"/>
+                <a16:creationId xmlns:a16="http://schemas.microsoft.com/office/drawing/2014/main" id="{7A5B6E70-2E53-104D-989B-6CD2A57840C8}"/>
               </a:ext>
             </a:extLst>
           </p:cNvPr>
@@ -11582,16 +11825,210 @@
           <a:bodyPr/>
           <a:lstStyle/>
           <a:p>
+            <a:r>
+              <a:rPr lang="en-US" dirty="0" err="1"/>
+              <a:t>FormGroup</a:t>
+            </a:r>
+            <a:endParaRPr lang="en-US" dirty="0"/>
+          </a:p>
+        </p:txBody>
+      </p:sp>
+      <p:pic>
+        <p:nvPicPr>
+          <p:cNvPr id="12" name="Content Placeholder 11">
+            <a:extLst>
+              <a:ext uri="{FF2B5EF4-FFF2-40B4-BE49-F238E27FC236}">
+                <a16:creationId xmlns:a16="http://schemas.microsoft.com/office/drawing/2014/main" id="{4D49D769-E8C6-6A47-ADB0-B723FF4FD94E}"/>
+              </a:ext>
+            </a:extLst>
+          </p:cNvPr>
+          <p:cNvPicPr>
+            <a:picLocks noGrp="1" noChangeAspect="1"/>
+          </p:cNvPicPr>
+          <p:nvPr>
+            <p:ph idx="1"/>
+          </p:nvPr>
+        </p:nvPicPr>
+        <p:blipFill>
+          <a:blip r:embed="rId2">
+            <a:extLst>
+              <a:ext uri="{28A0092B-C50C-407E-A947-70E740481C1C}">
+                <a14:useLocalDpi xmlns:a14="http://schemas.microsoft.com/office/drawing/2010/main" val="0"/>
+              </a:ext>
+            </a:extLst>
+          </a:blip>
+          <a:stretch>
+            <a:fillRect/>
+          </a:stretch>
+        </p:blipFill>
+        <p:spPr>
+          <a:xfrm>
+            <a:off x="3805570" y="1466929"/>
+            <a:ext cx="5045014" cy="3921125"/>
+          </a:xfrm>
+        </p:spPr>
+      </p:pic>
+      <p:sp>
+        <p:nvSpPr>
+          <p:cNvPr id="4" name="Slide Number Placeholder 3">
+            <a:extLst>
+              <a:ext uri="{FF2B5EF4-FFF2-40B4-BE49-F238E27FC236}">
+                <a16:creationId xmlns:a16="http://schemas.microsoft.com/office/drawing/2014/main" id="{6FBCE1A2-EFD8-4A40-BF2B-0A01CC221F47}"/>
+              </a:ext>
+            </a:extLst>
+          </p:cNvPr>
+          <p:cNvSpPr>
+            <a:spLocks noGrp="1"/>
+          </p:cNvSpPr>
+          <p:nvPr>
+            <p:ph type="sldNum" sz="quarter" idx="4"/>
+          </p:nvPr>
+        </p:nvSpPr>
+        <p:spPr/>
+        <p:txBody>
+          <a:bodyPr/>
+          <a:lstStyle/>
+          <a:p>
+            <a:fld id="{ABBBA974-37FA-4314-8CA6-CE2859D26BDF}" type="slidenum">
+              <a:rPr lang="en-US" smtClean="0"/>
+              <a:pPr/>
+              <a:t>13</a:t>
+            </a:fld>
             <a:endParaRPr lang="en-US"/>
+          </a:p>
+        </p:txBody>
+      </p:sp>
+      <p:pic>
+        <p:nvPicPr>
+          <p:cNvPr id="16" name="Picture 15">
+            <a:extLst>
+              <a:ext uri="{FF2B5EF4-FFF2-40B4-BE49-F238E27FC236}">
+                <a16:creationId xmlns:a16="http://schemas.microsoft.com/office/drawing/2014/main" id="{DC971F93-E961-6A49-AF7A-73FBD88950C7}"/>
+              </a:ext>
+            </a:extLst>
+          </p:cNvPr>
+          <p:cNvPicPr>
+            <a:picLocks noChangeAspect="1"/>
+          </p:cNvPicPr>
+          <p:nvPr/>
+        </p:nvPicPr>
+        <p:blipFill>
+          <a:blip r:embed="rId3">
+            <a:extLst>
+              <a:ext uri="{28A0092B-C50C-407E-A947-70E740481C1C}">
+                <a14:useLocalDpi xmlns:a14="http://schemas.microsoft.com/office/drawing/2010/main" val="0"/>
+              </a:ext>
+            </a:extLst>
+          </a:blip>
+          <a:stretch>
+            <a:fillRect/>
+          </a:stretch>
+        </p:blipFill>
+        <p:spPr>
+          <a:xfrm>
+            <a:off x="0" y="1381906"/>
+            <a:ext cx="3848100" cy="1892300"/>
+          </a:xfrm>
+          <a:prstGeom prst="rect">
+            <a:avLst/>
+          </a:prstGeom>
+        </p:spPr>
+      </p:pic>
+    </p:spTree>
+    <p:extLst>
+      <p:ext uri="{BB962C8B-B14F-4D97-AF65-F5344CB8AC3E}">
+        <p14:creationId xmlns:p14="http://schemas.microsoft.com/office/powerpoint/2010/main" val="2074593375"/>
+      </p:ext>
+    </p:extLst>
+  </p:cSld>
+  <p:clrMapOvr>
+    <a:masterClrMapping/>
+  </p:clrMapOvr>
+</p:sld>
+</file>
+
+<file path=ppt/slides/slide14.xml><?xml version="1.0" encoding="utf-8"?>
+<p:sld xmlns:a="http://schemas.openxmlformats.org/drawingml/2006/main" xmlns:r="http://schemas.openxmlformats.org/officeDocument/2006/relationships" xmlns:p="http://schemas.openxmlformats.org/presentationml/2006/main">
+  <p:cSld>
+    <p:spTree>
+      <p:nvGrpSpPr>
+        <p:cNvPr id="1" name=""/>
+        <p:cNvGrpSpPr/>
+        <p:nvPr/>
+      </p:nvGrpSpPr>
+      <p:grpSpPr>
+        <a:xfrm>
+          <a:off x="0" y="0"/>
+          <a:ext cx="0" cy="0"/>
+          <a:chOff x="0" y="0"/>
+          <a:chExt cx="0" cy="0"/>
+        </a:xfrm>
+      </p:grpSpPr>
+      <p:sp>
+        <p:nvSpPr>
+          <p:cNvPr id="2" name="Title 1">
+            <a:extLst>
+              <a:ext uri="{FF2B5EF4-FFF2-40B4-BE49-F238E27FC236}">
+                <a16:creationId xmlns:a16="http://schemas.microsoft.com/office/drawing/2014/main" id="{53AC0B6E-72EA-3543-989D-327BBB115AD7}"/>
+              </a:ext>
+            </a:extLst>
+          </p:cNvPr>
+          <p:cNvSpPr>
+            <a:spLocks noGrp="1"/>
+          </p:cNvSpPr>
+          <p:nvPr>
+            <p:ph type="title"/>
+          </p:nvPr>
+        </p:nvSpPr>
+        <p:spPr/>
+        <p:txBody>
+          <a:bodyPr/>
+          <a:lstStyle/>
+          <a:p>
+            <a:r>
+              <a:rPr lang="en-US" dirty="0" err="1"/>
+              <a:t>FormBuilder</a:t>
+            </a:r>
+            <a:endParaRPr lang="en-US" dirty="0"/>
           </a:p>
         </p:txBody>
       </p:sp>
       <p:sp>
         <p:nvSpPr>
-          <p:cNvPr id="3" name="Content Placeholder 2">
+          <p:cNvPr id="4" name="Slide Number Placeholder 3">
             <a:extLst>
               <a:ext uri="{FF2B5EF4-FFF2-40B4-BE49-F238E27FC236}">
-                <a16:creationId xmlns:a16="http://schemas.microsoft.com/office/drawing/2014/main" id="{90E84234-EE61-9043-AF63-B3095CFA9B6C}"/>
+                <a16:creationId xmlns:a16="http://schemas.microsoft.com/office/drawing/2014/main" id="{04BEB6D6-CBFA-FA4C-B678-A240A226980F}"/>
+              </a:ext>
+            </a:extLst>
+          </p:cNvPr>
+          <p:cNvSpPr>
+            <a:spLocks noGrp="1"/>
+          </p:cNvSpPr>
+          <p:nvPr>
+            <p:ph type="sldNum" sz="quarter" idx="4"/>
+          </p:nvPr>
+        </p:nvSpPr>
+        <p:spPr/>
+        <p:txBody>
+          <a:bodyPr/>
+          <a:lstStyle/>
+          <a:p>
+            <a:fld id="{ABBBA974-37FA-4314-8CA6-CE2859D26BDF}" type="slidenum">
+              <a:rPr lang="en-US" smtClean="0"/>
+              <a:pPr/>
+              <a:t>14</a:t>
+            </a:fld>
+            <a:endParaRPr lang="en-US"/>
+          </a:p>
+        </p:txBody>
+      </p:sp>
+      <p:sp>
+        <p:nvSpPr>
+          <p:cNvPr id="7" name="Content Placeholder 6">
+            <a:extLst>
+              <a:ext uri="{FF2B5EF4-FFF2-40B4-BE49-F238E27FC236}">
+                <a16:creationId xmlns:a16="http://schemas.microsoft.com/office/drawing/2014/main" id="{EBFB733E-66CD-AF48-A1C5-76CB66F8FABC}"/>
               </a:ext>
             </a:extLst>
           </p:cNvPr>
@@ -11607,7 +12044,346 @@
           <a:bodyPr/>
           <a:lstStyle/>
           <a:p>
+            <a:r>
+              <a:rPr lang="en-US" dirty="0"/>
+              <a:t> The </a:t>
+            </a:r>
+            <a:r>
+              <a:rPr lang="en-US" dirty="0" err="1">
+                <a:solidFill>
+                  <a:schemeClr val="tx2">
+                    <a:lumMod val="60000"/>
+                    <a:lumOff val="40000"/>
+                  </a:schemeClr>
+                </a:solidFill>
+                <a:latin typeface="Consolas" panose="020B0609020204030204" pitchFamily="49" charset="0"/>
+                <a:cs typeface="Consolas" panose="020B0609020204030204" pitchFamily="49" charset="0"/>
+              </a:rPr>
+              <a:t>FormBuilder</a:t>
+            </a:r>
+            <a:r>
+              <a:rPr lang="en-US" dirty="0"/>
+              <a:t> service provides convenient methods for generating controls.</a:t>
+            </a:r>
+          </a:p>
+        </p:txBody>
+      </p:sp>
+    </p:spTree>
+    <p:extLst>
+      <p:ext uri="{BB962C8B-B14F-4D97-AF65-F5344CB8AC3E}">
+        <p14:creationId xmlns:p14="http://schemas.microsoft.com/office/powerpoint/2010/main" val="1114989972"/>
+      </p:ext>
+    </p:extLst>
+  </p:cSld>
+  <p:clrMapOvr>
+    <a:masterClrMapping/>
+  </p:clrMapOvr>
+</p:sld>
+</file>
+
+<file path=ppt/slides/slide15.xml><?xml version="1.0" encoding="utf-8"?>
+<p:sld xmlns:a="http://schemas.openxmlformats.org/drawingml/2006/main" xmlns:r="http://schemas.openxmlformats.org/officeDocument/2006/relationships" xmlns:p="http://schemas.openxmlformats.org/presentationml/2006/main">
+  <p:cSld>
+    <p:spTree>
+      <p:nvGrpSpPr>
+        <p:cNvPr id="1" name=""/>
+        <p:cNvGrpSpPr/>
+        <p:nvPr/>
+      </p:nvGrpSpPr>
+      <p:grpSpPr>
+        <a:xfrm>
+          <a:off x="0" y="0"/>
+          <a:ext cx="0" cy="0"/>
+          <a:chOff x="0" y="0"/>
+          <a:chExt cx="0" cy="0"/>
+        </a:xfrm>
+      </p:grpSpPr>
+      <p:sp>
+        <p:nvSpPr>
+          <p:cNvPr id="2" name="Title 1">
+            <a:extLst>
+              <a:ext uri="{FF2B5EF4-FFF2-40B4-BE49-F238E27FC236}">
+                <a16:creationId xmlns:a16="http://schemas.microsoft.com/office/drawing/2014/main" id="{C10EE41E-2A3F-BA40-AE21-C0C16A2B275D}"/>
+              </a:ext>
+            </a:extLst>
+          </p:cNvPr>
+          <p:cNvSpPr>
+            <a:spLocks noGrp="1"/>
+          </p:cNvSpPr>
+          <p:nvPr>
+            <p:ph type="title"/>
+          </p:nvPr>
+        </p:nvSpPr>
+        <p:spPr>
+          <a:xfrm>
+            <a:off x="1371600" y="238020"/>
+            <a:ext cx="7315200" cy="990600"/>
+          </a:xfrm>
+        </p:spPr>
+        <p:txBody>
+          <a:bodyPr/>
+          <a:lstStyle/>
+          <a:p>
+            <a:r>
+              <a:rPr lang="en-US"/>
+              <a:t>FormGroup</a:t>
+            </a:r>
+            <a:endParaRPr lang="en-US" dirty="0"/>
+          </a:p>
+        </p:txBody>
+      </p:sp>
+      <p:pic>
+        <p:nvPicPr>
+          <p:cNvPr id="6" name="Content Placeholder 5">
+            <a:extLst>
+              <a:ext uri="{FF2B5EF4-FFF2-40B4-BE49-F238E27FC236}">
+                <a16:creationId xmlns:a16="http://schemas.microsoft.com/office/drawing/2014/main" id="{2B440627-F722-D149-8724-A6B88232784E}"/>
+              </a:ext>
+            </a:extLst>
+          </p:cNvPr>
+          <p:cNvPicPr>
+            <a:picLocks noGrp="1" noChangeAspect="1"/>
+          </p:cNvPicPr>
+          <p:nvPr>
+            <p:ph idx="1"/>
+          </p:nvPr>
+        </p:nvPicPr>
+        <p:blipFill>
+          <a:blip r:embed="rId2">
+            <a:extLst>
+              <a:ext uri="{28A0092B-C50C-407E-A947-70E740481C1C}">
+                <a14:useLocalDpi xmlns:a14="http://schemas.microsoft.com/office/drawing/2010/main" val="0"/>
+              </a:ext>
+            </a:extLst>
+          </a:blip>
+          <a:stretch>
+            <a:fillRect/>
+          </a:stretch>
+        </p:blipFill>
+        <p:spPr>
+          <a:xfrm>
+            <a:off x="663868" y="1827160"/>
+            <a:ext cx="3670300" cy="3289300"/>
+          </a:xfrm>
+        </p:spPr>
+      </p:pic>
+      <p:sp>
+        <p:nvSpPr>
+          <p:cNvPr id="4" name="Slide Number Placeholder 3">
+            <a:extLst>
+              <a:ext uri="{FF2B5EF4-FFF2-40B4-BE49-F238E27FC236}">
+                <a16:creationId xmlns:a16="http://schemas.microsoft.com/office/drawing/2014/main" id="{4A7590E9-5778-5948-9FBC-5451D7034B07}"/>
+              </a:ext>
+            </a:extLst>
+          </p:cNvPr>
+          <p:cNvSpPr>
+            <a:spLocks noGrp="1"/>
+          </p:cNvSpPr>
+          <p:nvPr>
+            <p:ph type="sldNum" sz="quarter" idx="4"/>
+          </p:nvPr>
+        </p:nvSpPr>
+        <p:spPr>
+          <a:xfrm>
+            <a:off x="8610600" y="5715000"/>
+            <a:ext cx="458142" cy="316442"/>
+          </a:xfrm>
+        </p:spPr>
+        <p:txBody>
+          <a:bodyPr/>
+          <a:lstStyle/>
+          <a:p>
+            <a:fld id="{ABBBA974-37FA-4314-8CA6-CE2859D26BDF}" type="slidenum">
+              <a:rPr lang="en-US" smtClean="0"/>
+              <a:pPr/>
+              <a:t>15</a:t>
+            </a:fld>
             <a:endParaRPr lang="en-US"/>
+          </a:p>
+        </p:txBody>
+      </p:sp>
+      <p:pic>
+        <p:nvPicPr>
+          <p:cNvPr id="7" name="Content Placeholder 5">
+            <a:extLst>
+              <a:ext uri="{FF2B5EF4-FFF2-40B4-BE49-F238E27FC236}">
+                <a16:creationId xmlns:a16="http://schemas.microsoft.com/office/drawing/2014/main" id="{C42F04B5-7521-F647-BBBD-FD14D3E47847}"/>
+              </a:ext>
+            </a:extLst>
+          </p:cNvPr>
+          <p:cNvPicPr>
+            <a:picLocks noChangeAspect="1"/>
+          </p:cNvPicPr>
+          <p:nvPr/>
+        </p:nvPicPr>
+        <p:blipFill>
+          <a:blip r:embed="rId3">
+            <a:extLst>
+              <a:ext uri="{28A0092B-C50C-407E-A947-70E740481C1C}">
+                <a14:useLocalDpi xmlns:a14="http://schemas.microsoft.com/office/drawing/2010/main" val="0"/>
+              </a:ext>
+            </a:extLst>
+          </a:blip>
+          <a:stretch>
+            <a:fillRect/>
+          </a:stretch>
+        </p:blipFill>
+        <p:spPr>
+          <a:xfrm>
+            <a:off x="4712143" y="1827160"/>
+            <a:ext cx="3568700" cy="3200400"/>
+          </a:xfrm>
+          <a:prstGeom prst="rect">
+            <a:avLst/>
+          </a:prstGeom>
+        </p:spPr>
+      </p:pic>
+    </p:spTree>
+    <p:extLst>
+      <p:ext uri="{BB962C8B-B14F-4D97-AF65-F5344CB8AC3E}">
+        <p14:creationId xmlns:p14="http://schemas.microsoft.com/office/powerpoint/2010/main" val="885656193"/>
+      </p:ext>
+    </p:extLst>
+  </p:cSld>
+  <p:clrMapOvr>
+    <a:masterClrMapping/>
+  </p:clrMapOvr>
+</p:sld>
+</file>
+
+<file path=ppt/slides/slide16.xml><?xml version="1.0" encoding="utf-8"?>
+<p:sld xmlns:a="http://schemas.openxmlformats.org/drawingml/2006/main" xmlns:r="http://schemas.openxmlformats.org/officeDocument/2006/relationships" xmlns:p="http://schemas.openxmlformats.org/presentationml/2006/main">
+  <p:cSld>
+    <p:spTree>
+      <p:nvGrpSpPr>
+        <p:cNvPr id="1" name=""/>
+        <p:cNvGrpSpPr/>
+        <p:nvPr/>
+      </p:nvGrpSpPr>
+      <p:grpSpPr>
+        <a:xfrm>
+          <a:off x="0" y="0"/>
+          <a:ext cx="0" cy="0"/>
+          <a:chOff x="0" y="0"/>
+          <a:chExt cx="0" cy="0"/>
+        </a:xfrm>
+      </p:grpSpPr>
+      <p:sp>
+        <p:nvSpPr>
+          <p:cNvPr id="2" name="Title 1">
+            <a:extLst>
+              <a:ext uri="{FF2B5EF4-FFF2-40B4-BE49-F238E27FC236}">
+                <a16:creationId xmlns:a16="http://schemas.microsoft.com/office/drawing/2014/main" id="{921F532F-17F5-D54D-950F-A2BDF8742C14}"/>
+              </a:ext>
+            </a:extLst>
+          </p:cNvPr>
+          <p:cNvSpPr>
+            <a:spLocks noGrp="1"/>
+          </p:cNvSpPr>
+          <p:nvPr>
+            <p:ph type="title"/>
+          </p:nvPr>
+        </p:nvSpPr>
+        <p:spPr/>
+        <p:txBody>
+          <a:bodyPr/>
+          <a:lstStyle/>
+          <a:p>
+            <a:r>
+              <a:rPr lang="en-US" dirty="0"/>
+              <a:t>Validation</a:t>
+            </a:r>
+          </a:p>
+        </p:txBody>
+      </p:sp>
+      <p:sp>
+        <p:nvSpPr>
+          <p:cNvPr id="3" name="Content Placeholder 2">
+            <a:extLst>
+              <a:ext uri="{FF2B5EF4-FFF2-40B4-BE49-F238E27FC236}">
+                <a16:creationId xmlns:a16="http://schemas.microsoft.com/office/drawing/2014/main" id="{CAAEAF81-DD4C-4041-BB40-D188C5DEEF15}"/>
+              </a:ext>
+            </a:extLst>
+          </p:cNvPr>
+          <p:cNvSpPr>
+            <a:spLocks noGrp="1"/>
+          </p:cNvSpPr>
+          <p:nvPr>
+            <p:ph idx="1"/>
+          </p:nvPr>
+        </p:nvSpPr>
+        <p:spPr/>
+        <p:txBody>
+          <a:bodyPr/>
+          <a:lstStyle/>
+          <a:p>
+            <a:r>
+              <a:rPr lang="en-US" dirty="0"/>
+              <a:t>Angular provides a lot of built-in validators, which include validators based on HTML5 attributes.</a:t>
+            </a:r>
+          </a:p>
+          <a:p>
+            <a:r>
+              <a:rPr lang="en-US" dirty="0"/>
+              <a:t>You have to import the </a:t>
+            </a:r>
+            <a:r>
+              <a:rPr lang="en-US" dirty="0">
+                <a:solidFill>
+                  <a:schemeClr val="tx2">
+                    <a:lumMod val="60000"/>
+                    <a:lumOff val="40000"/>
+                  </a:schemeClr>
+                </a:solidFill>
+                <a:latin typeface="Consolas" panose="020B0609020204030204" pitchFamily="49" charset="0"/>
+                <a:cs typeface="Consolas" panose="020B0609020204030204" pitchFamily="49" charset="0"/>
+              </a:rPr>
+              <a:t>Validators</a:t>
+            </a:r>
+            <a:r>
+              <a:rPr lang="en-US" dirty="0"/>
+              <a:t> class to use them.</a:t>
+            </a:r>
+          </a:p>
+          <a:p>
+            <a:r>
+              <a:rPr lang="en-US" dirty="0"/>
+              <a:t>A validation function returns </a:t>
+            </a:r>
+            <a:r>
+              <a:rPr lang="en-US" dirty="0">
+                <a:solidFill>
+                  <a:schemeClr val="tx2">
+                    <a:lumMod val="60000"/>
+                    <a:lumOff val="40000"/>
+                  </a:schemeClr>
+                </a:solidFill>
+                <a:latin typeface="Consolas" panose="020B0609020204030204" pitchFamily="49" charset="0"/>
+                <a:cs typeface="Consolas" panose="020B0609020204030204" pitchFamily="49" charset="0"/>
+              </a:rPr>
+              <a:t>null</a:t>
+            </a:r>
+            <a:r>
+              <a:rPr lang="en-US" dirty="0"/>
+              <a:t> if the validation passes. If it fails, it returns an </a:t>
+            </a:r>
+            <a:r>
+              <a:rPr lang="en-US" dirty="0">
+                <a:solidFill>
+                  <a:schemeClr val="tx2">
+                    <a:lumMod val="60000"/>
+                    <a:lumOff val="40000"/>
+                  </a:schemeClr>
+                </a:solidFill>
+                <a:latin typeface="Consolas" panose="020B0609020204030204" pitchFamily="49" charset="0"/>
+                <a:cs typeface="Consolas" panose="020B0609020204030204" pitchFamily="49" charset="0"/>
+              </a:rPr>
+              <a:t>error</a:t>
+            </a:r>
+            <a:r>
+              <a:rPr lang="en-US" dirty="0"/>
+              <a:t> object that can be used in the template to show specific messages. </a:t>
+            </a:r>
           </a:p>
         </p:txBody>
       </p:sp>
@@ -11616,7 +12392,7 @@
           <p:cNvPr id="4" name="Slide Number Placeholder 3">
             <a:extLst>
               <a:ext uri="{FF2B5EF4-FFF2-40B4-BE49-F238E27FC236}">
-                <a16:creationId xmlns:a16="http://schemas.microsoft.com/office/drawing/2014/main" id="{DB7DBBDE-3AE0-D642-9534-6469B6C61885}"/>
+                <a16:creationId xmlns:a16="http://schemas.microsoft.com/office/drawing/2014/main" id="{E7C8EC5A-2181-CA44-93E5-60BF47B3EFC5}"/>
               </a:ext>
             </a:extLst>
           </p:cNvPr>
@@ -11635,7 +12411,7 @@
             <a:fld id="{ABBBA974-37FA-4314-8CA6-CE2859D26BDF}" type="slidenum">
               <a:rPr lang="en-US" smtClean="0"/>
               <a:pPr/>
-              <a:t>13</a:t>
+              <a:t>16</a:t>
             </a:fld>
             <a:endParaRPr lang="en-US"/>
           </a:p>
@@ -11644,7 +12420,739 @@
     </p:spTree>
     <p:extLst>
       <p:ext uri="{BB962C8B-B14F-4D97-AF65-F5344CB8AC3E}">
-        <p14:creationId xmlns:p14="http://schemas.microsoft.com/office/powerpoint/2010/main" val="2805688388"/>
+        <p14:creationId xmlns:p14="http://schemas.microsoft.com/office/powerpoint/2010/main" val="2677681299"/>
+      </p:ext>
+    </p:extLst>
+  </p:cSld>
+  <p:clrMapOvr>
+    <a:masterClrMapping/>
+  </p:clrMapOvr>
+</p:sld>
+</file>
+
+<file path=ppt/slides/slide17.xml><?xml version="1.0" encoding="utf-8"?>
+<p:sld xmlns:a="http://schemas.openxmlformats.org/drawingml/2006/main" xmlns:r="http://schemas.openxmlformats.org/officeDocument/2006/relationships" xmlns:p="http://schemas.openxmlformats.org/presentationml/2006/main">
+  <p:cSld>
+    <p:spTree>
+      <p:nvGrpSpPr>
+        <p:cNvPr id="1" name=""/>
+        <p:cNvGrpSpPr/>
+        <p:nvPr/>
+      </p:nvGrpSpPr>
+      <p:grpSpPr>
+        <a:xfrm>
+          <a:off x="0" y="0"/>
+          <a:ext cx="0" cy="0"/>
+          <a:chOff x="0" y="0"/>
+          <a:chExt cx="0" cy="0"/>
+        </a:xfrm>
+      </p:grpSpPr>
+      <p:sp>
+        <p:nvSpPr>
+          <p:cNvPr id="2" name="Title 1">
+            <a:extLst>
+              <a:ext uri="{FF2B5EF4-FFF2-40B4-BE49-F238E27FC236}">
+                <a16:creationId xmlns:a16="http://schemas.microsoft.com/office/drawing/2014/main" id="{898CD250-B86B-6E49-931C-3BF87E21E5D1}"/>
+              </a:ext>
+            </a:extLst>
+          </p:cNvPr>
+          <p:cNvSpPr>
+            <a:spLocks noGrp="1"/>
+          </p:cNvSpPr>
+          <p:nvPr>
+            <p:ph type="title"/>
+          </p:nvPr>
+        </p:nvSpPr>
+        <p:spPr/>
+        <p:txBody>
+          <a:bodyPr/>
+          <a:lstStyle/>
+          <a:p>
+            <a:r>
+              <a:rPr lang="en-US" dirty="0"/>
+              <a:t>HTTP module</a:t>
+            </a:r>
+          </a:p>
+        </p:txBody>
+      </p:sp>
+      <p:sp>
+        <p:nvSpPr>
+          <p:cNvPr id="3" name="Content Placeholder 2">
+            <a:extLst>
+              <a:ext uri="{FF2B5EF4-FFF2-40B4-BE49-F238E27FC236}">
+                <a16:creationId xmlns:a16="http://schemas.microsoft.com/office/drawing/2014/main" id="{05FB4394-1290-6443-9E5F-A292BF22B8CA}"/>
+              </a:ext>
+            </a:extLst>
+          </p:cNvPr>
+          <p:cNvSpPr>
+            <a:spLocks noGrp="1"/>
+          </p:cNvSpPr>
+          <p:nvPr>
+            <p:ph idx="1"/>
+          </p:nvPr>
+        </p:nvSpPr>
+        <p:spPr/>
+        <p:txBody>
+          <a:bodyPr/>
+          <a:lstStyle/>
+          <a:p>
+            <a:r>
+              <a:rPr lang="en-IN" dirty="0"/>
+              <a:t>Import the Angular </a:t>
+            </a:r>
+            <a:r>
+              <a:rPr lang="en-IN" dirty="0">
+                <a:hlinkClick r:id="rId2"/>
+              </a:rPr>
+              <a:t>HttpClientModule</a:t>
+            </a:r>
+            <a:r>
+              <a:rPr lang="en-IN" dirty="0"/>
+              <a:t>. Most apps do so in the root </a:t>
+            </a:r>
+            <a:r>
+              <a:rPr lang="en-IN" dirty="0" err="1"/>
+              <a:t>AppModule</a:t>
+            </a:r>
+            <a:r>
+              <a:rPr lang="en-IN" dirty="0"/>
+              <a:t>.</a:t>
+            </a:r>
+          </a:p>
+          <a:p>
+            <a:r>
+              <a:rPr lang="en-IN" dirty="0"/>
+              <a:t>Inject the </a:t>
+            </a:r>
+            <a:r>
+              <a:rPr lang="en-IN" dirty="0">
+                <a:hlinkClick r:id="rId3"/>
+              </a:rPr>
+              <a:t>HttpClient</a:t>
+            </a:r>
+            <a:r>
+              <a:rPr lang="en-IN" dirty="0"/>
+              <a:t> into an application class</a:t>
+            </a:r>
+          </a:p>
+          <a:p>
+            <a:r>
+              <a:rPr lang="en-IN" dirty="0">
+                <a:hlinkClick r:id="rId3"/>
+              </a:rPr>
+              <a:t>HttpClient</a:t>
+            </a:r>
+            <a:r>
+              <a:rPr lang="en-IN" dirty="0"/>
+              <a:t> has methods corresponding to the HTTP verbs:</a:t>
+            </a:r>
+          </a:p>
+          <a:p>
+            <a:pPr lvl="1"/>
+            <a:r>
+              <a:rPr lang="en-IN" dirty="0"/>
+              <a:t>get()</a:t>
+            </a:r>
+          </a:p>
+          <a:p>
+            <a:pPr lvl="1"/>
+            <a:r>
+              <a:rPr lang="en-IN" dirty="0"/>
+              <a:t>post()</a:t>
+            </a:r>
+          </a:p>
+          <a:p>
+            <a:pPr lvl="1"/>
+            <a:r>
+              <a:rPr lang="en-IN" dirty="0"/>
+              <a:t>put()</a:t>
+            </a:r>
+          </a:p>
+          <a:p>
+            <a:pPr lvl="1"/>
+            <a:r>
+              <a:rPr lang="en-IN" dirty="0"/>
+              <a:t>delete()</a:t>
+            </a:r>
+            <a:endParaRPr lang="en-US" dirty="0"/>
+          </a:p>
+        </p:txBody>
+      </p:sp>
+      <p:sp>
+        <p:nvSpPr>
+          <p:cNvPr id="4" name="Slide Number Placeholder 3">
+            <a:extLst>
+              <a:ext uri="{FF2B5EF4-FFF2-40B4-BE49-F238E27FC236}">
+                <a16:creationId xmlns:a16="http://schemas.microsoft.com/office/drawing/2014/main" id="{09D57F9F-4346-A044-8B40-856173029CEE}"/>
+              </a:ext>
+            </a:extLst>
+          </p:cNvPr>
+          <p:cNvSpPr>
+            <a:spLocks noGrp="1"/>
+          </p:cNvSpPr>
+          <p:nvPr>
+            <p:ph type="sldNum" sz="quarter" idx="4"/>
+          </p:nvPr>
+        </p:nvSpPr>
+        <p:spPr/>
+        <p:txBody>
+          <a:bodyPr/>
+          <a:lstStyle/>
+          <a:p>
+            <a:fld id="{ABBBA974-37FA-4314-8CA6-CE2859D26BDF}" type="slidenum">
+              <a:rPr lang="en-US" smtClean="0"/>
+              <a:pPr/>
+              <a:t>17</a:t>
+            </a:fld>
+            <a:endParaRPr lang="en-US"/>
+          </a:p>
+        </p:txBody>
+      </p:sp>
+    </p:spTree>
+    <p:extLst>
+      <p:ext uri="{BB962C8B-B14F-4D97-AF65-F5344CB8AC3E}">
+        <p14:creationId xmlns:p14="http://schemas.microsoft.com/office/powerpoint/2010/main" val="4125077186"/>
+      </p:ext>
+    </p:extLst>
+  </p:cSld>
+  <p:clrMapOvr>
+    <a:masterClrMapping/>
+  </p:clrMapOvr>
+</p:sld>
+</file>
+
+<file path=ppt/slides/slide18.xml><?xml version="1.0" encoding="utf-8"?>
+<p:sld xmlns:a="http://schemas.openxmlformats.org/drawingml/2006/main" xmlns:r="http://schemas.openxmlformats.org/officeDocument/2006/relationships" xmlns:p="http://schemas.openxmlformats.org/presentationml/2006/main">
+  <p:cSld>
+    <p:spTree>
+      <p:nvGrpSpPr>
+        <p:cNvPr id="1" name=""/>
+        <p:cNvGrpSpPr/>
+        <p:nvPr/>
+      </p:nvGrpSpPr>
+      <p:grpSpPr>
+        <a:xfrm>
+          <a:off x="0" y="0"/>
+          <a:ext cx="0" cy="0"/>
+          <a:chOff x="0" y="0"/>
+          <a:chExt cx="0" cy="0"/>
+        </a:xfrm>
+      </p:grpSpPr>
+      <p:sp>
+        <p:nvSpPr>
+          <p:cNvPr id="2" name="Title 1">
+            <a:extLst>
+              <a:ext uri="{FF2B5EF4-FFF2-40B4-BE49-F238E27FC236}">
+                <a16:creationId xmlns:a16="http://schemas.microsoft.com/office/drawing/2014/main" id="{E1BA1772-2830-7E44-A4ED-976F190FDCE5}"/>
+              </a:ext>
+            </a:extLst>
+          </p:cNvPr>
+          <p:cNvSpPr>
+            <a:spLocks noGrp="1"/>
+          </p:cNvSpPr>
+          <p:nvPr>
+            <p:ph type="title"/>
+          </p:nvPr>
+        </p:nvSpPr>
+        <p:spPr/>
+        <p:txBody>
+          <a:bodyPr/>
+          <a:lstStyle/>
+          <a:p>
+            <a:r>
+              <a:rPr lang="en-US" dirty="0" err="1"/>
+              <a:t>HttpClient</a:t>
+            </a:r>
+            <a:endParaRPr lang="en-US" dirty="0"/>
+          </a:p>
+        </p:txBody>
+      </p:sp>
+      <p:sp>
+        <p:nvSpPr>
+          <p:cNvPr id="3" name="Content Placeholder 2">
+            <a:extLst>
+              <a:ext uri="{FF2B5EF4-FFF2-40B4-BE49-F238E27FC236}">
+                <a16:creationId xmlns:a16="http://schemas.microsoft.com/office/drawing/2014/main" id="{503D0A95-FC4C-0D4A-9D36-DFD913687BDD}"/>
+              </a:ext>
+            </a:extLst>
+          </p:cNvPr>
+          <p:cNvSpPr>
+            <a:spLocks noGrp="1"/>
+          </p:cNvSpPr>
+          <p:nvPr>
+            <p:ph idx="1"/>
+          </p:nvPr>
+        </p:nvSpPr>
+        <p:spPr/>
+        <p:txBody>
+          <a:bodyPr/>
+          <a:lstStyle/>
+          <a:p>
+            <a:r>
+              <a:rPr lang="en-US" dirty="0"/>
+              <a:t>The </a:t>
+            </a:r>
+            <a:r>
+              <a:rPr lang="en-US" dirty="0" err="1"/>
+              <a:t>HttpClient</a:t>
+            </a:r>
+            <a:r>
+              <a:rPr lang="en-US" dirty="0"/>
+              <a:t> offers a simplified client HTTP API for Angular applications that rests on the </a:t>
+            </a:r>
+            <a:r>
+              <a:rPr lang="en-US" dirty="0" err="1"/>
+              <a:t>XMLHttpRequest</a:t>
+            </a:r>
+            <a:r>
+              <a:rPr lang="en-US" dirty="0"/>
+              <a:t> interface exposed by browsers. </a:t>
+            </a:r>
+          </a:p>
+          <a:p>
+            <a:endParaRPr lang="en-US" dirty="0"/>
+          </a:p>
+          <a:p>
+            <a:r>
+              <a:rPr lang="en-US" dirty="0"/>
+              <a:t>Additional benefits of </a:t>
+            </a:r>
+            <a:r>
+              <a:rPr lang="en-US" dirty="0" err="1"/>
+              <a:t>HttpClient</a:t>
+            </a:r>
+            <a:r>
+              <a:rPr lang="en-US" dirty="0"/>
+              <a:t> include typed request and response objects, interception and streamlined error handling</a:t>
+            </a:r>
+          </a:p>
+        </p:txBody>
+      </p:sp>
+      <p:sp>
+        <p:nvSpPr>
+          <p:cNvPr id="4" name="Slide Number Placeholder 3">
+            <a:extLst>
+              <a:ext uri="{FF2B5EF4-FFF2-40B4-BE49-F238E27FC236}">
+                <a16:creationId xmlns:a16="http://schemas.microsoft.com/office/drawing/2014/main" id="{10D99D21-50AB-924C-BDD6-D11CEB74E3ED}"/>
+              </a:ext>
+            </a:extLst>
+          </p:cNvPr>
+          <p:cNvSpPr>
+            <a:spLocks noGrp="1"/>
+          </p:cNvSpPr>
+          <p:nvPr>
+            <p:ph type="sldNum" sz="quarter" idx="4"/>
+          </p:nvPr>
+        </p:nvSpPr>
+        <p:spPr/>
+        <p:txBody>
+          <a:bodyPr/>
+          <a:lstStyle/>
+          <a:p>
+            <a:fld id="{ABBBA974-37FA-4314-8CA6-CE2859D26BDF}" type="slidenum">
+              <a:rPr lang="en-US" smtClean="0"/>
+              <a:pPr/>
+              <a:t>18</a:t>
+            </a:fld>
+            <a:endParaRPr lang="en-US"/>
+          </a:p>
+        </p:txBody>
+      </p:sp>
+    </p:spTree>
+    <p:extLst>
+      <p:ext uri="{BB962C8B-B14F-4D97-AF65-F5344CB8AC3E}">
+        <p14:creationId xmlns:p14="http://schemas.microsoft.com/office/powerpoint/2010/main" val="42110431"/>
+      </p:ext>
+    </p:extLst>
+  </p:cSld>
+  <p:clrMapOvr>
+    <a:masterClrMapping/>
+  </p:clrMapOvr>
+</p:sld>
+</file>
+
+<file path=ppt/slides/slide19.xml><?xml version="1.0" encoding="utf-8"?>
+<p:sld xmlns:a="http://schemas.openxmlformats.org/drawingml/2006/main" xmlns:r="http://schemas.openxmlformats.org/officeDocument/2006/relationships" xmlns:p="http://schemas.openxmlformats.org/presentationml/2006/main">
+  <p:cSld>
+    <p:spTree>
+      <p:nvGrpSpPr>
+        <p:cNvPr id="1" name=""/>
+        <p:cNvGrpSpPr/>
+        <p:nvPr/>
+      </p:nvGrpSpPr>
+      <p:grpSpPr>
+        <a:xfrm>
+          <a:off x="0" y="0"/>
+          <a:ext cx="0" cy="0"/>
+          <a:chOff x="0" y="0"/>
+          <a:chExt cx="0" cy="0"/>
+        </a:xfrm>
+      </p:grpSpPr>
+      <p:sp>
+        <p:nvSpPr>
+          <p:cNvPr id="2" name="Title 1">
+            <a:extLst>
+              <a:ext uri="{FF2B5EF4-FFF2-40B4-BE49-F238E27FC236}">
+                <a16:creationId xmlns:a16="http://schemas.microsoft.com/office/drawing/2014/main" id="{808F7A67-E6B9-DD49-9179-85A3A7B7137D}"/>
+              </a:ext>
+            </a:extLst>
+          </p:cNvPr>
+          <p:cNvSpPr>
+            <a:spLocks noGrp="1"/>
+          </p:cNvSpPr>
+          <p:nvPr>
+            <p:ph type="title"/>
+          </p:nvPr>
+        </p:nvSpPr>
+        <p:spPr/>
+        <p:txBody>
+          <a:bodyPr/>
+          <a:lstStyle/>
+          <a:p>
+            <a:r>
+              <a:rPr lang="en-US" dirty="0"/>
+              <a:t>Route Parameters</a:t>
+            </a:r>
+          </a:p>
+        </p:txBody>
+      </p:sp>
+      <p:sp>
+        <p:nvSpPr>
+          <p:cNvPr id="3" name="Content Placeholder 2">
+            <a:extLst>
+              <a:ext uri="{FF2B5EF4-FFF2-40B4-BE49-F238E27FC236}">
+                <a16:creationId xmlns:a16="http://schemas.microsoft.com/office/drawing/2014/main" id="{6A137A41-CE5D-9848-BE78-C5E30CA3D7DB}"/>
+              </a:ext>
+            </a:extLst>
+          </p:cNvPr>
+          <p:cNvSpPr>
+            <a:spLocks noGrp="1"/>
+          </p:cNvSpPr>
+          <p:nvPr>
+            <p:ph idx="1"/>
+          </p:nvPr>
+        </p:nvSpPr>
+        <p:spPr/>
+        <p:txBody>
+          <a:bodyPr/>
+          <a:lstStyle/>
+          <a:p>
+            <a:pPr marL="0" indent="0">
+              <a:buNone/>
+            </a:pPr>
+            <a:r>
+              <a:rPr lang="en-IN" dirty="0">
+                <a:latin typeface="Consolas" panose="020B0609020204030204" pitchFamily="49" charset="0"/>
+                <a:cs typeface="Consolas" panose="020B0609020204030204" pitchFamily="49" charset="0"/>
+              </a:rPr>
+              <a:t>Configuration</a:t>
+            </a:r>
+            <a:r>
+              <a:rPr lang="en-IN" sz="2000" dirty="0">
+                <a:latin typeface="Consolas" panose="020B0609020204030204" pitchFamily="49" charset="0"/>
+                <a:cs typeface="Consolas" panose="020B0609020204030204" pitchFamily="49" charset="0"/>
+              </a:rPr>
+              <a:t>:</a:t>
+            </a:r>
+            <a:endParaRPr lang="en-IN" sz="2000" dirty="0"/>
+          </a:p>
+          <a:p>
+            <a:pPr marL="400050" lvl="1" indent="0">
+              <a:buNone/>
+            </a:pPr>
+            <a:r>
+              <a:rPr lang="en-IN" dirty="0">
+                <a:solidFill>
+                  <a:schemeClr val="tx2">
+                    <a:lumMod val="60000"/>
+                    <a:lumOff val="40000"/>
+                  </a:schemeClr>
+                </a:solidFill>
+                <a:latin typeface="Consolas" panose="020B0609020204030204" pitchFamily="49" charset="0"/>
+                <a:cs typeface="Consolas" panose="020B0609020204030204" pitchFamily="49" charset="0"/>
+              </a:rPr>
+              <a:t>{path: 'profile/:id', component: </a:t>
+            </a:r>
+            <a:r>
+              <a:rPr lang="en-IN" dirty="0" err="1">
+                <a:solidFill>
+                  <a:schemeClr val="tx2">
+                    <a:lumMod val="60000"/>
+                    <a:lumOff val="40000"/>
+                  </a:schemeClr>
+                </a:solidFill>
+                <a:latin typeface="Consolas" panose="020B0609020204030204" pitchFamily="49" charset="0"/>
+                <a:cs typeface="Consolas" panose="020B0609020204030204" pitchFamily="49" charset="0"/>
+              </a:rPr>
+              <a:t>ProfileComponent</a:t>
+            </a:r>
+            <a:r>
+              <a:rPr lang="en-IN" dirty="0">
+                <a:solidFill>
+                  <a:schemeClr val="tx2">
+                    <a:lumMod val="60000"/>
+                    <a:lumOff val="40000"/>
+                  </a:schemeClr>
+                </a:solidFill>
+                <a:latin typeface="Consolas" panose="020B0609020204030204" pitchFamily="49" charset="0"/>
+                <a:cs typeface="Consolas" panose="020B0609020204030204" pitchFamily="49" charset="0"/>
+              </a:rPr>
+              <a:t>,},</a:t>
+            </a:r>
+          </a:p>
+          <a:p>
+            <a:pPr marL="400050" lvl="1" indent="0">
+              <a:buNone/>
+            </a:pPr>
+            <a:endParaRPr lang="en-IN" dirty="0">
+              <a:solidFill>
+                <a:schemeClr val="tx2">
+                  <a:lumMod val="60000"/>
+                  <a:lumOff val="40000"/>
+                </a:schemeClr>
+              </a:solidFill>
+              <a:latin typeface="Consolas" panose="020B0609020204030204" pitchFamily="49" charset="0"/>
+              <a:cs typeface="Consolas" panose="020B0609020204030204" pitchFamily="49" charset="0"/>
+            </a:endParaRPr>
+          </a:p>
+          <a:p>
+            <a:pPr marL="0" indent="0">
+              <a:buNone/>
+            </a:pPr>
+            <a:r>
+              <a:rPr lang="en-IN" dirty="0">
+                <a:latin typeface="Consolas" panose="020B0609020204030204" pitchFamily="49" charset="0"/>
+                <a:cs typeface="Consolas" panose="020B0609020204030204" pitchFamily="49" charset="0"/>
+              </a:rPr>
+              <a:t>Link:</a:t>
+            </a:r>
+          </a:p>
+          <a:p>
+            <a:pPr marL="400050" lvl="1" indent="0">
+              <a:buNone/>
+            </a:pPr>
+            <a:r>
+              <a:rPr lang="en-IN" dirty="0">
+                <a:solidFill>
+                  <a:schemeClr val="tx2">
+                    <a:lumMod val="60000"/>
+                    <a:lumOff val="40000"/>
+                  </a:schemeClr>
+                </a:solidFill>
+                <a:latin typeface="Consolas" panose="020B0609020204030204" pitchFamily="49" charset="0"/>
+                <a:cs typeface="Consolas" panose="020B0609020204030204" pitchFamily="49" charset="0"/>
+              </a:rPr>
+              <a:t>&lt;a [</a:t>
+            </a:r>
+            <a:r>
+              <a:rPr lang="en-IN" dirty="0" err="1">
+                <a:solidFill>
+                  <a:schemeClr val="tx2">
+                    <a:lumMod val="60000"/>
+                    <a:lumOff val="40000"/>
+                  </a:schemeClr>
+                </a:solidFill>
+                <a:latin typeface="Consolas" panose="020B0609020204030204" pitchFamily="49" charset="0"/>
+                <a:cs typeface="Consolas" panose="020B0609020204030204" pitchFamily="49" charset="0"/>
+              </a:rPr>
+              <a:t>routerLink</a:t>
+            </a:r>
+            <a:r>
+              <a:rPr lang="en-IN" dirty="0">
+                <a:solidFill>
+                  <a:schemeClr val="tx2">
+                    <a:lumMod val="60000"/>
+                    <a:lumOff val="40000"/>
+                  </a:schemeClr>
+                </a:solidFill>
+                <a:latin typeface="Consolas" panose="020B0609020204030204" pitchFamily="49" charset="0"/>
+                <a:cs typeface="Consolas" panose="020B0609020204030204" pitchFamily="49" charset="0"/>
+              </a:rPr>
+              <a:t>]="['profile', </a:t>
+            </a:r>
+            <a:r>
+              <a:rPr lang="en-IN" dirty="0" err="1">
+                <a:solidFill>
+                  <a:schemeClr val="tx2">
+                    <a:lumMod val="60000"/>
+                    <a:lumOff val="40000"/>
+                  </a:schemeClr>
+                </a:solidFill>
+                <a:latin typeface="Consolas" panose="020B0609020204030204" pitchFamily="49" charset="0"/>
+                <a:cs typeface="Consolas" panose="020B0609020204030204" pitchFamily="49" charset="0"/>
+              </a:rPr>
+              <a:t>currentUser</a:t>
+            </a:r>
+            <a:r>
+              <a:rPr lang="en-IN" dirty="0">
+                <a:solidFill>
+                  <a:schemeClr val="tx2">
+                    <a:lumMod val="60000"/>
+                    <a:lumOff val="40000"/>
+                  </a:schemeClr>
+                </a:solidFill>
+                <a:latin typeface="Consolas" panose="020B0609020204030204" pitchFamily="49" charset="0"/>
+                <a:cs typeface="Consolas" panose="020B0609020204030204" pitchFamily="49" charset="0"/>
+              </a:rPr>
+              <a:t>]"&gt;Profile&lt;/a&gt;</a:t>
+            </a:r>
+          </a:p>
+          <a:p>
+            <a:pPr marL="400050" lvl="1" indent="0">
+              <a:buNone/>
+            </a:pPr>
+            <a:endParaRPr lang="en-IN" dirty="0">
+              <a:latin typeface="Consolas" panose="020B0609020204030204" pitchFamily="49" charset="0"/>
+              <a:cs typeface="Consolas" panose="020B0609020204030204" pitchFamily="49" charset="0"/>
+            </a:endParaRPr>
+          </a:p>
+          <a:p>
+            <a:pPr marL="0" indent="0">
+              <a:buNone/>
+            </a:pPr>
+            <a:r>
+              <a:rPr lang="en-IN" dirty="0">
+                <a:latin typeface="Consolas" panose="020B0609020204030204" pitchFamily="49" charset="0"/>
+                <a:cs typeface="Consolas" panose="020B0609020204030204" pitchFamily="49" charset="0"/>
+              </a:rPr>
+              <a:t>Navigation:</a:t>
+            </a:r>
+          </a:p>
+          <a:p>
+            <a:pPr marL="400050" lvl="1" indent="0">
+              <a:buNone/>
+            </a:pPr>
+            <a:r>
+              <a:rPr lang="en-IN" dirty="0" err="1">
+                <a:solidFill>
+                  <a:schemeClr val="tx2">
+                    <a:lumMod val="60000"/>
+                    <a:lumOff val="40000"/>
+                  </a:schemeClr>
+                </a:solidFill>
+                <a:latin typeface="Consolas" panose="020B0609020204030204" pitchFamily="49" charset="0"/>
+                <a:cs typeface="Consolas" panose="020B0609020204030204" pitchFamily="49" charset="0"/>
+              </a:rPr>
+              <a:t>this.router.navigate</a:t>
+            </a:r>
+            <a:r>
+              <a:rPr lang="en-IN" dirty="0">
+                <a:solidFill>
+                  <a:schemeClr val="tx2">
+                    <a:lumMod val="60000"/>
+                    <a:lumOff val="40000"/>
+                  </a:schemeClr>
+                </a:solidFill>
+                <a:latin typeface="Consolas" panose="020B0609020204030204" pitchFamily="49" charset="0"/>
+                <a:cs typeface="Consolas" panose="020B0609020204030204" pitchFamily="49" charset="0"/>
+              </a:rPr>
+              <a:t>(</a:t>
+            </a:r>
+          </a:p>
+          <a:p>
+            <a:pPr marL="400050" lvl="1" indent="0">
+              <a:buNone/>
+            </a:pPr>
+            <a:r>
+              <a:rPr lang="en-IN" dirty="0">
+                <a:solidFill>
+                  <a:schemeClr val="tx2">
+                    <a:lumMod val="60000"/>
+                    <a:lumOff val="40000"/>
+                  </a:schemeClr>
+                </a:solidFill>
+                <a:latin typeface="Consolas" panose="020B0609020204030204" pitchFamily="49" charset="0"/>
+                <a:cs typeface="Consolas" panose="020B0609020204030204" pitchFamily="49" charset="0"/>
+              </a:rPr>
+              <a:t>	['/profile', </a:t>
+            </a:r>
+            <a:r>
+              <a:rPr lang="en-IN" dirty="0" err="1">
+                <a:solidFill>
+                  <a:schemeClr val="tx2">
+                    <a:lumMod val="60000"/>
+                    <a:lumOff val="40000"/>
+                  </a:schemeClr>
+                </a:solidFill>
+                <a:latin typeface="Consolas" panose="020B0609020204030204" pitchFamily="49" charset="0"/>
+                <a:cs typeface="Consolas" panose="020B0609020204030204" pitchFamily="49" charset="0"/>
+              </a:rPr>
+              <a:t>this.signinForm.username</a:t>
+            </a:r>
+            <a:r>
+              <a:rPr lang="en-IN" dirty="0">
+                <a:solidFill>
+                  <a:schemeClr val="tx2">
+                    <a:lumMod val="60000"/>
+                    <a:lumOff val="40000"/>
+                  </a:schemeClr>
+                </a:solidFill>
+                <a:latin typeface="Consolas" panose="020B0609020204030204" pitchFamily="49" charset="0"/>
+                <a:cs typeface="Consolas" panose="020B0609020204030204" pitchFamily="49" charset="0"/>
+              </a:rPr>
+              <a:t>]</a:t>
+            </a:r>
+          </a:p>
+          <a:p>
+            <a:pPr marL="400050" lvl="1" indent="0">
+              <a:buNone/>
+            </a:pPr>
+            <a:r>
+              <a:rPr lang="en-IN" dirty="0">
+                <a:solidFill>
+                  <a:schemeClr val="tx2">
+                    <a:lumMod val="60000"/>
+                    <a:lumOff val="40000"/>
+                  </a:schemeClr>
+                </a:solidFill>
+                <a:latin typeface="Consolas" panose="020B0609020204030204" pitchFamily="49" charset="0"/>
+                <a:cs typeface="Consolas" panose="020B0609020204030204" pitchFamily="49" charset="0"/>
+              </a:rPr>
+              <a:t>);</a:t>
+            </a:r>
+          </a:p>
+          <a:p>
+            <a:endParaRPr lang="en-IN" dirty="0"/>
+          </a:p>
+          <a:p>
+            <a:endParaRPr lang="en-US" dirty="0"/>
+          </a:p>
+        </p:txBody>
+      </p:sp>
+      <p:sp>
+        <p:nvSpPr>
+          <p:cNvPr id="4" name="Slide Number Placeholder 3">
+            <a:extLst>
+              <a:ext uri="{FF2B5EF4-FFF2-40B4-BE49-F238E27FC236}">
+                <a16:creationId xmlns:a16="http://schemas.microsoft.com/office/drawing/2014/main" id="{A03E3451-32DD-554F-A2C5-57CA26A5E0D4}"/>
+              </a:ext>
+            </a:extLst>
+          </p:cNvPr>
+          <p:cNvSpPr>
+            <a:spLocks noGrp="1"/>
+          </p:cNvSpPr>
+          <p:nvPr>
+            <p:ph type="sldNum" sz="quarter" idx="4"/>
+          </p:nvPr>
+        </p:nvSpPr>
+        <p:spPr/>
+        <p:txBody>
+          <a:bodyPr/>
+          <a:lstStyle/>
+          <a:p>
+            <a:fld id="{ABBBA974-37FA-4314-8CA6-CE2859D26BDF}" type="slidenum">
+              <a:rPr lang="en-US" smtClean="0"/>
+              <a:pPr/>
+              <a:t>19</a:t>
+            </a:fld>
+            <a:endParaRPr lang="en-US"/>
+          </a:p>
+        </p:txBody>
+      </p:sp>
+    </p:spTree>
+    <p:extLst>
+      <p:ext uri="{BB962C8B-B14F-4D97-AF65-F5344CB8AC3E}">
+        <p14:creationId xmlns:p14="http://schemas.microsoft.com/office/powerpoint/2010/main" val="2078309459"/>
       </p:ext>
     </p:extLst>
   </p:cSld>
@@ -11717,10 +13225,70 @@
         </p:nvSpPr>
         <p:spPr/>
         <p:txBody>
-          <a:bodyPr/>
+          <a:bodyPr>
+            <a:normAutofit fontScale="92500" lnSpcReduction="10000"/>
+          </a:bodyPr>
           <a:lstStyle/>
           <a:p>
-            <a:endParaRPr lang="en-US"/>
+            <a:r>
+              <a:rPr lang="en-IN" dirty="0"/>
+              <a:t>Angular apps are modular and Angular has its own modularity system called </a:t>
+            </a:r>
+            <a:r>
+              <a:rPr lang="en-IN" i="1" dirty="0" err="1"/>
+              <a:t>NgModules</a:t>
+            </a:r>
+            <a:r>
+              <a:rPr lang="en-IN" dirty="0"/>
+              <a:t>.</a:t>
+            </a:r>
+          </a:p>
+          <a:p>
+            <a:r>
+              <a:rPr lang="en-IN" dirty="0" err="1"/>
+              <a:t>NgModules</a:t>
+            </a:r>
+            <a:r>
+              <a:rPr lang="en-IN" dirty="0"/>
+              <a:t> are containers for a cohesive block of code dedicated to an application domain, a workflow, or a closely related set of capabilities.</a:t>
+            </a:r>
+          </a:p>
+          <a:p>
+            <a:r>
+              <a:rPr lang="en-IN" dirty="0"/>
+              <a:t>They can contain components, service providers, and other code files whose scope is defined by the containing </a:t>
+            </a:r>
+            <a:r>
+              <a:rPr lang="en-IN" dirty="0" err="1"/>
+              <a:t>NgModule</a:t>
+            </a:r>
+            <a:r>
+              <a:rPr lang="en-IN" dirty="0"/>
+              <a:t>. </a:t>
+            </a:r>
+          </a:p>
+          <a:p>
+            <a:r>
+              <a:rPr lang="en-IN" dirty="0"/>
+              <a:t>They can import functionality that is exported from other </a:t>
+            </a:r>
+            <a:r>
+              <a:rPr lang="en-IN" dirty="0" err="1"/>
+              <a:t>NgModules</a:t>
+            </a:r>
+            <a:r>
+              <a:rPr lang="en-IN" dirty="0"/>
+              <a:t>, and export selected functionality for use by other </a:t>
+            </a:r>
+            <a:r>
+              <a:rPr lang="en-IN" dirty="0" err="1"/>
+              <a:t>NgModules</a:t>
+            </a:r>
+            <a:r>
+              <a:rPr lang="en-IN" dirty="0"/>
+              <a:t>.</a:t>
+            </a:r>
+            <a:endParaRPr lang="en-US" dirty="0"/>
           </a:p>
         </p:txBody>
       </p:sp>
@@ -11758,6 +13326,924 @@
     <p:extLst>
       <p:ext uri="{BB962C8B-B14F-4D97-AF65-F5344CB8AC3E}">
         <p14:creationId xmlns:p14="http://schemas.microsoft.com/office/powerpoint/2010/main" val="3635932275"/>
+      </p:ext>
+    </p:extLst>
+  </p:cSld>
+  <p:clrMapOvr>
+    <a:masterClrMapping/>
+  </p:clrMapOvr>
+</p:sld>
+</file>
+
+<file path=ppt/slides/slide20.xml><?xml version="1.0" encoding="utf-8"?>
+<p:sld xmlns:a="http://schemas.openxmlformats.org/drawingml/2006/main" xmlns:r="http://schemas.openxmlformats.org/officeDocument/2006/relationships" xmlns:p="http://schemas.openxmlformats.org/presentationml/2006/main">
+  <p:cSld>
+    <p:spTree>
+      <p:nvGrpSpPr>
+        <p:cNvPr id="1" name=""/>
+        <p:cNvGrpSpPr/>
+        <p:nvPr/>
+      </p:nvGrpSpPr>
+      <p:grpSpPr>
+        <a:xfrm>
+          <a:off x="0" y="0"/>
+          <a:ext cx="0" cy="0"/>
+          <a:chOff x="0" y="0"/>
+          <a:chExt cx="0" cy="0"/>
+        </a:xfrm>
+      </p:grpSpPr>
+      <p:sp>
+        <p:nvSpPr>
+          <p:cNvPr id="2" name="Title 1">
+            <a:extLst>
+              <a:ext uri="{FF2B5EF4-FFF2-40B4-BE49-F238E27FC236}">
+                <a16:creationId xmlns:a16="http://schemas.microsoft.com/office/drawing/2014/main" id="{9B1CFDB7-BF8B-8B4D-962B-69EC6E04B605}"/>
+              </a:ext>
+            </a:extLst>
+          </p:cNvPr>
+          <p:cNvSpPr>
+            <a:spLocks noGrp="1"/>
+          </p:cNvSpPr>
+          <p:nvPr>
+            <p:ph type="title"/>
+          </p:nvPr>
+        </p:nvSpPr>
+        <p:spPr/>
+        <p:txBody>
+          <a:bodyPr/>
+          <a:lstStyle/>
+          <a:p>
+            <a:r>
+              <a:rPr lang="en-US" dirty="0"/>
+              <a:t>Activated Route</a:t>
+            </a:r>
+          </a:p>
+        </p:txBody>
+      </p:sp>
+      <p:sp>
+        <p:nvSpPr>
+          <p:cNvPr id="3" name="Content Placeholder 2">
+            <a:extLst>
+              <a:ext uri="{FF2B5EF4-FFF2-40B4-BE49-F238E27FC236}">
+                <a16:creationId xmlns:a16="http://schemas.microsoft.com/office/drawing/2014/main" id="{A016B029-D579-1D43-B87C-FB3C76B4A32C}"/>
+              </a:ext>
+            </a:extLst>
+          </p:cNvPr>
+          <p:cNvSpPr>
+            <a:spLocks noGrp="1"/>
+          </p:cNvSpPr>
+          <p:nvPr>
+            <p:ph idx="1"/>
+          </p:nvPr>
+        </p:nvSpPr>
+        <p:spPr/>
+        <p:txBody>
+          <a:bodyPr>
+            <a:normAutofit/>
+          </a:bodyPr>
+          <a:lstStyle/>
+          <a:p>
+            <a:r>
+              <a:rPr lang="en-IN" dirty="0"/>
+              <a:t>The route path and parameters are available through an injected router service called the </a:t>
+            </a:r>
+            <a:r>
+              <a:rPr lang="en-IN" dirty="0">
+                <a:hlinkClick r:id="rId2">
+                  <a:extLst>
+                    <a:ext uri="{A12FA001-AC4F-418D-AE19-62706E023703}">
+                      <ahyp:hlinkClr xmlns:ahyp="http://schemas.microsoft.com/office/drawing/2018/hyperlinkcolor" val="tx"/>
+                    </a:ext>
+                  </a:extLst>
+                </a:hlinkClick>
+              </a:rPr>
+              <a:t>ActivatedRoute </a:t>
+            </a:r>
+            <a:endParaRPr lang="en-IN" dirty="0"/>
+          </a:p>
+          <a:p>
+            <a:endParaRPr lang="en-IN" dirty="0"/>
+          </a:p>
+          <a:p>
+            <a:r>
+              <a:rPr lang="en-IN" dirty="0"/>
+              <a:t>After the end of each successful navigation lifecycle, the router builds a tree of </a:t>
+            </a:r>
+            <a:r>
+              <a:rPr lang="en-IN" dirty="0">
+                <a:hlinkClick r:id="rId2">
+                  <a:extLst>
+                    <a:ext uri="{A12FA001-AC4F-418D-AE19-62706E023703}">
+                      <ahyp:hlinkClr xmlns:ahyp="http://schemas.microsoft.com/office/drawing/2018/hyperlinkcolor" val="tx"/>
+                    </a:ext>
+                  </a:extLst>
+                </a:hlinkClick>
+              </a:rPr>
+              <a:t>ActivatedRoute</a:t>
+            </a:r>
+            <a:r>
+              <a:rPr lang="en-IN" dirty="0"/>
+              <a:t> objects</a:t>
+            </a:r>
+            <a:endParaRPr lang="en-US" dirty="0"/>
+          </a:p>
+        </p:txBody>
+      </p:sp>
+      <p:sp>
+        <p:nvSpPr>
+          <p:cNvPr id="4" name="Slide Number Placeholder 3">
+            <a:extLst>
+              <a:ext uri="{FF2B5EF4-FFF2-40B4-BE49-F238E27FC236}">
+                <a16:creationId xmlns:a16="http://schemas.microsoft.com/office/drawing/2014/main" id="{C4189C05-07F3-4C45-8C41-11183BE817B9}"/>
+              </a:ext>
+            </a:extLst>
+          </p:cNvPr>
+          <p:cNvSpPr>
+            <a:spLocks noGrp="1"/>
+          </p:cNvSpPr>
+          <p:nvPr>
+            <p:ph type="sldNum" sz="quarter" idx="4"/>
+          </p:nvPr>
+        </p:nvSpPr>
+        <p:spPr/>
+        <p:txBody>
+          <a:bodyPr/>
+          <a:lstStyle/>
+          <a:p>
+            <a:fld id="{ABBBA974-37FA-4314-8CA6-CE2859D26BDF}" type="slidenum">
+              <a:rPr lang="en-US" smtClean="0"/>
+              <a:pPr/>
+              <a:t>20</a:t>
+            </a:fld>
+            <a:endParaRPr lang="en-US"/>
+          </a:p>
+        </p:txBody>
+      </p:sp>
+    </p:spTree>
+    <p:extLst>
+      <p:ext uri="{BB962C8B-B14F-4D97-AF65-F5344CB8AC3E}">
+        <p14:creationId xmlns:p14="http://schemas.microsoft.com/office/powerpoint/2010/main" val="1905592299"/>
+      </p:ext>
+    </p:extLst>
+  </p:cSld>
+  <p:clrMapOvr>
+    <a:masterClrMapping/>
+  </p:clrMapOvr>
+</p:sld>
+</file>
+
+<file path=ppt/slides/slide21.xml><?xml version="1.0" encoding="utf-8"?>
+<p:sld xmlns:a="http://schemas.openxmlformats.org/drawingml/2006/main" xmlns:r="http://schemas.openxmlformats.org/officeDocument/2006/relationships" xmlns:p="http://schemas.openxmlformats.org/presentationml/2006/main">
+  <p:cSld>
+    <p:spTree>
+      <p:nvGrpSpPr>
+        <p:cNvPr id="1" name=""/>
+        <p:cNvGrpSpPr/>
+        <p:nvPr/>
+      </p:nvGrpSpPr>
+      <p:grpSpPr>
+        <a:xfrm>
+          <a:off x="0" y="0"/>
+          <a:ext cx="0" cy="0"/>
+          <a:chOff x="0" y="0"/>
+          <a:chExt cx="0" cy="0"/>
+        </a:xfrm>
+      </p:grpSpPr>
+      <p:sp>
+        <p:nvSpPr>
+          <p:cNvPr id="2" name="Title 1">
+            <a:extLst>
+              <a:ext uri="{FF2B5EF4-FFF2-40B4-BE49-F238E27FC236}">
+                <a16:creationId xmlns:a16="http://schemas.microsoft.com/office/drawing/2014/main" id="{BAF36270-23DB-2944-9615-94DD6ED30FEB}"/>
+              </a:ext>
+            </a:extLst>
+          </p:cNvPr>
+          <p:cNvSpPr>
+            <a:spLocks noGrp="1"/>
+          </p:cNvSpPr>
+          <p:nvPr>
+            <p:ph type="title"/>
+          </p:nvPr>
+        </p:nvSpPr>
+        <p:spPr/>
+        <p:txBody>
+          <a:bodyPr/>
+          <a:lstStyle/>
+          <a:p>
+            <a:r>
+              <a:rPr lang="en-US" dirty="0"/>
+              <a:t>Activated route properties</a:t>
+            </a:r>
+          </a:p>
+        </p:txBody>
+      </p:sp>
+      <p:sp>
+        <p:nvSpPr>
+          <p:cNvPr id="3" name="Content Placeholder 2">
+            <a:extLst>
+              <a:ext uri="{FF2B5EF4-FFF2-40B4-BE49-F238E27FC236}">
+                <a16:creationId xmlns:a16="http://schemas.microsoft.com/office/drawing/2014/main" id="{7AA84956-625D-0041-92F4-962A414A562E}"/>
+              </a:ext>
+            </a:extLst>
+          </p:cNvPr>
+          <p:cNvSpPr>
+            <a:spLocks noGrp="1"/>
+          </p:cNvSpPr>
+          <p:nvPr>
+            <p:ph idx="1"/>
+          </p:nvPr>
+        </p:nvSpPr>
+        <p:spPr/>
+        <p:txBody>
+          <a:bodyPr/>
+          <a:lstStyle/>
+          <a:p>
+            <a:r>
+              <a:rPr lang="en-US" dirty="0" err="1"/>
+              <a:t>url</a:t>
+            </a:r>
+            <a:endParaRPr lang="en-US" dirty="0"/>
+          </a:p>
+          <a:p>
+            <a:r>
+              <a:rPr lang="en-US" dirty="0" err="1"/>
+              <a:t>paramMap</a:t>
+            </a:r>
+            <a:r>
+              <a:rPr lang="en-US" dirty="0"/>
+              <a:t>, </a:t>
+            </a:r>
+            <a:r>
+              <a:rPr lang="en-US" dirty="0" err="1"/>
+              <a:t>queryParamMap</a:t>
+            </a:r>
+            <a:endParaRPr lang="en-US" dirty="0"/>
+          </a:p>
+          <a:p>
+            <a:r>
+              <a:rPr lang="en-US" dirty="0"/>
+              <a:t>Outlet: The name of the </a:t>
+            </a:r>
+            <a:r>
+              <a:rPr lang="en-US" dirty="0" err="1"/>
+              <a:t>RouterOutlet</a:t>
+            </a:r>
+            <a:r>
+              <a:rPr lang="en-US" dirty="0"/>
+              <a:t> used to render the route. For an unnamed outlet, the outlet name is primary.</a:t>
+            </a:r>
+          </a:p>
+          <a:p>
+            <a:r>
+              <a:rPr lang="en-US" dirty="0"/>
+              <a:t>parent, </a:t>
+            </a:r>
+            <a:r>
+              <a:rPr lang="en-US" dirty="0" err="1"/>
+              <a:t>firstChild</a:t>
+            </a:r>
+            <a:r>
+              <a:rPr lang="en-US" dirty="0"/>
+              <a:t>, children</a:t>
+            </a:r>
+          </a:p>
+          <a:p>
+            <a:endParaRPr lang="en-US" dirty="0"/>
+          </a:p>
+        </p:txBody>
+      </p:sp>
+      <p:sp>
+        <p:nvSpPr>
+          <p:cNvPr id="4" name="Slide Number Placeholder 3">
+            <a:extLst>
+              <a:ext uri="{FF2B5EF4-FFF2-40B4-BE49-F238E27FC236}">
+                <a16:creationId xmlns:a16="http://schemas.microsoft.com/office/drawing/2014/main" id="{82E20281-B694-1847-B299-11BC0B4BCEAE}"/>
+              </a:ext>
+            </a:extLst>
+          </p:cNvPr>
+          <p:cNvSpPr>
+            <a:spLocks noGrp="1"/>
+          </p:cNvSpPr>
+          <p:nvPr>
+            <p:ph type="sldNum" sz="quarter" idx="4"/>
+          </p:nvPr>
+        </p:nvSpPr>
+        <p:spPr/>
+        <p:txBody>
+          <a:bodyPr/>
+          <a:lstStyle/>
+          <a:p>
+            <a:fld id="{ABBBA974-37FA-4314-8CA6-CE2859D26BDF}" type="slidenum">
+              <a:rPr lang="en-US" smtClean="0"/>
+              <a:pPr/>
+              <a:t>21</a:t>
+            </a:fld>
+            <a:endParaRPr lang="en-US"/>
+          </a:p>
+        </p:txBody>
+      </p:sp>
+    </p:spTree>
+    <p:extLst>
+      <p:ext uri="{BB962C8B-B14F-4D97-AF65-F5344CB8AC3E}">
+        <p14:creationId xmlns:p14="http://schemas.microsoft.com/office/powerpoint/2010/main" val="639681541"/>
+      </p:ext>
+    </p:extLst>
+  </p:cSld>
+  <p:clrMapOvr>
+    <a:masterClrMapping/>
+  </p:clrMapOvr>
+</p:sld>
+</file>
+
+<file path=ppt/slides/slide22.xml><?xml version="1.0" encoding="utf-8"?>
+<p:sld xmlns:a="http://schemas.openxmlformats.org/drawingml/2006/main" xmlns:r="http://schemas.openxmlformats.org/officeDocument/2006/relationships" xmlns:p="http://schemas.openxmlformats.org/presentationml/2006/main">
+  <p:cSld>
+    <p:spTree>
+      <p:nvGrpSpPr>
+        <p:cNvPr id="1" name=""/>
+        <p:cNvGrpSpPr/>
+        <p:nvPr/>
+      </p:nvGrpSpPr>
+      <p:grpSpPr>
+        <a:xfrm>
+          <a:off x="0" y="0"/>
+          <a:ext cx="0" cy="0"/>
+          <a:chOff x="0" y="0"/>
+          <a:chExt cx="0" cy="0"/>
+        </a:xfrm>
+      </p:grpSpPr>
+      <p:sp>
+        <p:nvSpPr>
+          <p:cNvPr id="2" name="Title 1">
+            <a:extLst>
+              <a:ext uri="{FF2B5EF4-FFF2-40B4-BE49-F238E27FC236}">
+                <a16:creationId xmlns:a16="http://schemas.microsoft.com/office/drawing/2014/main" id="{7A541570-FEAF-6C49-A59E-C4990F29F448}"/>
+              </a:ext>
+            </a:extLst>
+          </p:cNvPr>
+          <p:cNvSpPr>
+            <a:spLocks noGrp="1"/>
+          </p:cNvSpPr>
+          <p:nvPr>
+            <p:ph type="title"/>
+          </p:nvPr>
+        </p:nvSpPr>
+        <p:spPr/>
+        <p:txBody>
+          <a:bodyPr/>
+          <a:lstStyle/>
+          <a:p>
+            <a:r>
+              <a:rPr lang="en-US" dirty="0"/>
+              <a:t>Router Events</a:t>
+            </a:r>
+          </a:p>
+        </p:txBody>
+      </p:sp>
+      <p:sp>
+        <p:nvSpPr>
+          <p:cNvPr id="3" name="Content Placeholder 2">
+            <a:extLst>
+              <a:ext uri="{FF2B5EF4-FFF2-40B4-BE49-F238E27FC236}">
+                <a16:creationId xmlns:a16="http://schemas.microsoft.com/office/drawing/2014/main" id="{5CC6470E-9DD4-9249-B001-5278B6844524}"/>
+              </a:ext>
+            </a:extLst>
+          </p:cNvPr>
+          <p:cNvSpPr>
+            <a:spLocks noGrp="1"/>
+          </p:cNvSpPr>
+          <p:nvPr>
+            <p:ph idx="1"/>
+          </p:nvPr>
+        </p:nvSpPr>
+        <p:spPr/>
+        <p:txBody>
+          <a:bodyPr>
+            <a:normAutofit/>
+          </a:bodyPr>
+          <a:lstStyle/>
+          <a:p>
+            <a:r>
+              <a:rPr lang="en-US" sz="2000" dirty="0" err="1">
+                <a:latin typeface="Consolas" panose="020B0609020204030204" pitchFamily="49" charset="0"/>
+                <a:cs typeface="Consolas" panose="020B0609020204030204" pitchFamily="49" charset="0"/>
+              </a:rPr>
+              <a:t>NavigationStart</a:t>
+            </a:r>
+            <a:r>
+              <a:rPr lang="en-US" sz="2000" dirty="0">
+                <a:latin typeface="Consolas" panose="020B0609020204030204" pitchFamily="49" charset="0"/>
+                <a:cs typeface="Consolas" panose="020B0609020204030204" pitchFamily="49" charset="0"/>
+              </a:rPr>
+              <a:t>, </a:t>
+            </a:r>
+            <a:r>
+              <a:rPr lang="en-US" sz="2000" dirty="0" err="1">
+                <a:latin typeface="Consolas" panose="020B0609020204030204" pitchFamily="49" charset="0"/>
+                <a:cs typeface="Consolas" panose="020B0609020204030204" pitchFamily="49" charset="0"/>
+              </a:rPr>
+              <a:t>NavigationEnd</a:t>
+            </a:r>
+            <a:endParaRPr lang="en-US" sz="2000" dirty="0">
+              <a:latin typeface="Consolas" panose="020B0609020204030204" pitchFamily="49" charset="0"/>
+              <a:cs typeface="Consolas" panose="020B0609020204030204" pitchFamily="49" charset="0"/>
+            </a:endParaRPr>
+          </a:p>
+          <a:p>
+            <a:r>
+              <a:rPr lang="en-US" sz="2000" dirty="0" err="1">
+                <a:latin typeface="Consolas" panose="020B0609020204030204" pitchFamily="49" charset="0"/>
+                <a:cs typeface="Consolas" panose="020B0609020204030204" pitchFamily="49" charset="0"/>
+              </a:rPr>
+              <a:t>NavigationCancel</a:t>
+            </a:r>
+            <a:r>
+              <a:rPr lang="en-US" sz="2000" dirty="0">
+                <a:latin typeface="Consolas" panose="020B0609020204030204" pitchFamily="49" charset="0"/>
+                <a:cs typeface="Consolas" panose="020B0609020204030204" pitchFamily="49" charset="0"/>
+              </a:rPr>
+              <a:t>, </a:t>
+            </a:r>
+            <a:r>
+              <a:rPr lang="en-US" sz="2000" dirty="0" err="1">
+                <a:latin typeface="Consolas" panose="020B0609020204030204" pitchFamily="49" charset="0"/>
+                <a:cs typeface="Consolas" panose="020B0609020204030204" pitchFamily="49" charset="0"/>
+              </a:rPr>
+              <a:t>NavigationError</a:t>
+            </a:r>
+            <a:endParaRPr lang="en-US" sz="2000" dirty="0">
+              <a:latin typeface="Consolas" panose="020B0609020204030204" pitchFamily="49" charset="0"/>
+              <a:cs typeface="Consolas" panose="020B0609020204030204" pitchFamily="49" charset="0"/>
+            </a:endParaRPr>
+          </a:p>
+          <a:p>
+            <a:r>
+              <a:rPr lang="en-US" sz="2000" dirty="0" err="1">
+                <a:latin typeface="Consolas" panose="020B0609020204030204" pitchFamily="49" charset="0"/>
+                <a:cs typeface="Consolas" panose="020B0609020204030204" pitchFamily="49" charset="0"/>
+              </a:rPr>
+              <a:t>ActivationStart</a:t>
+            </a:r>
+            <a:r>
+              <a:rPr lang="en-US" sz="2000" dirty="0">
+                <a:latin typeface="Consolas" panose="020B0609020204030204" pitchFamily="49" charset="0"/>
+                <a:cs typeface="Consolas" panose="020B0609020204030204" pitchFamily="49" charset="0"/>
+              </a:rPr>
+              <a:t>, </a:t>
+            </a:r>
+            <a:r>
+              <a:rPr lang="en-US" sz="2000" dirty="0" err="1">
+                <a:latin typeface="Consolas" panose="020B0609020204030204" pitchFamily="49" charset="0"/>
+                <a:cs typeface="Consolas" panose="020B0609020204030204" pitchFamily="49" charset="0"/>
+              </a:rPr>
+              <a:t>ActivationEnd</a:t>
+            </a:r>
+            <a:endParaRPr lang="en-US" sz="2000" dirty="0">
+              <a:latin typeface="Consolas" panose="020B0609020204030204" pitchFamily="49" charset="0"/>
+              <a:cs typeface="Consolas" panose="020B0609020204030204" pitchFamily="49" charset="0"/>
+            </a:endParaRPr>
+          </a:p>
+          <a:p>
+            <a:r>
+              <a:rPr lang="en-US" sz="2000" dirty="0" err="1">
+                <a:latin typeface="Consolas" panose="020B0609020204030204" pitchFamily="49" charset="0"/>
+                <a:cs typeface="Consolas" panose="020B0609020204030204" pitchFamily="49" charset="0"/>
+              </a:rPr>
+              <a:t>GuardCheckStart</a:t>
+            </a:r>
+            <a:r>
+              <a:rPr lang="en-US" sz="2000" dirty="0">
+                <a:latin typeface="Consolas" panose="020B0609020204030204" pitchFamily="49" charset="0"/>
+                <a:cs typeface="Consolas" panose="020B0609020204030204" pitchFamily="49" charset="0"/>
+              </a:rPr>
+              <a:t>, </a:t>
+            </a:r>
+            <a:r>
+              <a:rPr lang="en-US" sz="2000" dirty="0" err="1">
+                <a:latin typeface="Consolas" panose="020B0609020204030204" pitchFamily="49" charset="0"/>
+                <a:cs typeface="Consolas" panose="020B0609020204030204" pitchFamily="49" charset="0"/>
+              </a:rPr>
+              <a:t>GuardCheckEnd</a:t>
+            </a:r>
+            <a:endParaRPr lang="en-US" sz="2000" dirty="0">
+              <a:latin typeface="Consolas" panose="020B0609020204030204" pitchFamily="49" charset="0"/>
+              <a:cs typeface="Consolas" panose="020B0609020204030204" pitchFamily="49" charset="0"/>
+            </a:endParaRPr>
+          </a:p>
+        </p:txBody>
+      </p:sp>
+      <p:sp>
+        <p:nvSpPr>
+          <p:cNvPr id="4" name="Slide Number Placeholder 3">
+            <a:extLst>
+              <a:ext uri="{FF2B5EF4-FFF2-40B4-BE49-F238E27FC236}">
+                <a16:creationId xmlns:a16="http://schemas.microsoft.com/office/drawing/2014/main" id="{CEBB8180-D473-6747-B86F-B1577BB4D174}"/>
+              </a:ext>
+            </a:extLst>
+          </p:cNvPr>
+          <p:cNvSpPr>
+            <a:spLocks noGrp="1"/>
+          </p:cNvSpPr>
+          <p:nvPr>
+            <p:ph type="sldNum" sz="quarter" idx="4"/>
+          </p:nvPr>
+        </p:nvSpPr>
+        <p:spPr/>
+        <p:txBody>
+          <a:bodyPr/>
+          <a:lstStyle/>
+          <a:p>
+            <a:fld id="{ABBBA974-37FA-4314-8CA6-CE2859D26BDF}" type="slidenum">
+              <a:rPr lang="en-US" smtClean="0"/>
+              <a:pPr/>
+              <a:t>22</a:t>
+            </a:fld>
+            <a:endParaRPr lang="en-US"/>
+          </a:p>
+        </p:txBody>
+      </p:sp>
+      <p:pic>
+        <p:nvPicPr>
+          <p:cNvPr id="6" name="Picture 5">
+            <a:extLst>
+              <a:ext uri="{FF2B5EF4-FFF2-40B4-BE49-F238E27FC236}">
+                <a16:creationId xmlns:a16="http://schemas.microsoft.com/office/drawing/2014/main" id="{0C59AE66-5B71-894B-9078-E14C75A67A62}"/>
+              </a:ext>
+            </a:extLst>
+          </p:cNvPr>
+          <p:cNvPicPr>
+            <a:picLocks noChangeAspect="1"/>
+          </p:cNvPicPr>
+          <p:nvPr/>
+        </p:nvPicPr>
+        <p:blipFill>
+          <a:blip r:embed="rId2">
+            <a:extLst>
+              <a:ext uri="{28A0092B-C50C-407E-A947-70E740481C1C}">
+                <a14:useLocalDpi xmlns:a14="http://schemas.microsoft.com/office/drawing/2010/main" val="0"/>
+              </a:ext>
+            </a:extLst>
+          </a:blip>
+          <a:stretch>
+            <a:fillRect/>
+          </a:stretch>
+        </p:blipFill>
+        <p:spPr>
+          <a:xfrm>
+            <a:off x="941129" y="3058064"/>
+            <a:ext cx="5183224" cy="2409499"/>
+          </a:xfrm>
+          <a:prstGeom prst="rect">
+            <a:avLst/>
+          </a:prstGeom>
+        </p:spPr>
+      </p:pic>
+    </p:spTree>
+    <p:extLst>
+      <p:ext uri="{BB962C8B-B14F-4D97-AF65-F5344CB8AC3E}">
+        <p14:creationId xmlns:p14="http://schemas.microsoft.com/office/powerpoint/2010/main" val="2880226035"/>
+      </p:ext>
+    </p:extLst>
+  </p:cSld>
+  <p:clrMapOvr>
+    <a:masterClrMapping/>
+  </p:clrMapOvr>
+</p:sld>
+</file>
+
+<file path=ppt/slides/slide23.xml><?xml version="1.0" encoding="utf-8"?>
+<p:sld xmlns:a="http://schemas.openxmlformats.org/drawingml/2006/main" xmlns:r="http://schemas.openxmlformats.org/officeDocument/2006/relationships" xmlns:p="http://schemas.openxmlformats.org/presentationml/2006/main">
+  <p:cSld>
+    <p:spTree>
+      <p:nvGrpSpPr>
+        <p:cNvPr id="1" name=""/>
+        <p:cNvGrpSpPr/>
+        <p:nvPr/>
+      </p:nvGrpSpPr>
+      <p:grpSpPr>
+        <a:xfrm>
+          <a:off x="0" y="0"/>
+          <a:ext cx="0" cy="0"/>
+          <a:chOff x="0" y="0"/>
+          <a:chExt cx="0" cy="0"/>
+        </a:xfrm>
+      </p:grpSpPr>
+      <p:sp>
+        <p:nvSpPr>
+          <p:cNvPr id="2" name="Title 1">
+            <a:extLst>
+              <a:ext uri="{FF2B5EF4-FFF2-40B4-BE49-F238E27FC236}">
+                <a16:creationId xmlns:a16="http://schemas.microsoft.com/office/drawing/2014/main" id="{8A37E0F3-5C7F-9C42-BA43-8C258C95FBF0}"/>
+              </a:ext>
+            </a:extLst>
+          </p:cNvPr>
+          <p:cNvSpPr>
+            <a:spLocks noGrp="1"/>
+          </p:cNvSpPr>
+          <p:nvPr>
+            <p:ph type="title"/>
+          </p:nvPr>
+        </p:nvSpPr>
+        <p:spPr/>
+        <p:txBody>
+          <a:bodyPr/>
+          <a:lstStyle/>
+          <a:p>
+            <a:r>
+              <a:rPr lang="en-US" dirty="0"/>
+              <a:t>Route Guards</a:t>
+            </a:r>
+          </a:p>
+        </p:txBody>
+      </p:sp>
+      <p:sp>
+        <p:nvSpPr>
+          <p:cNvPr id="3" name="Content Placeholder 2">
+            <a:extLst>
+              <a:ext uri="{FF2B5EF4-FFF2-40B4-BE49-F238E27FC236}">
+                <a16:creationId xmlns:a16="http://schemas.microsoft.com/office/drawing/2014/main" id="{BF8BC1C7-0ED9-614E-8ECD-64A7D830697D}"/>
+              </a:ext>
+            </a:extLst>
+          </p:cNvPr>
+          <p:cNvSpPr>
+            <a:spLocks noGrp="1"/>
+          </p:cNvSpPr>
+          <p:nvPr>
+            <p:ph idx="1"/>
+          </p:nvPr>
+        </p:nvSpPr>
+        <p:spPr/>
+        <p:txBody>
+          <a:bodyPr>
+            <a:normAutofit/>
+          </a:bodyPr>
+          <a:lstStyle/>
+          <a:p>
+            <a:r>
+              <a:rPr lang="en-IN" dirty="0"/>
+              <a:t>A guard's return value controls the router's </a:t>
+            </a:r>
+            <a:r>
+              <a:rPr lang="en-IN" dirty="0" err="1"/>
+              <a:t>behavior</a:t>
+            </a:r>
+            <a:r>
+              <a:rPr lang="en-IN" dirty="0"/>
+              <a:t>:</a:t>
+            </a:r>
+          </a:p>
+          <a:p>
+            <a:pPr lvl="1"/>
+            <a:r>
+              <a:rPr lang="en-IN" dirty="0"/>
+              <a:t>If it returns true, the navigation process continues.</a:t>
+            </a:r>
+          </a:p>
+          <a:p>
+            <a:pPr lvl="1"/>
+            <a:r>
+              <a:rPr lang="en-IN" dirty="0"/>
+              <a:t>If it returns false, the navigation process stops and the user stays put.</a:t>
+            </a:r>
+          </a:p>
+          <a:p>
+            <a:pPr lvl="1"/>
+            <a:r>
+              <a:rPr lang="en-IN" dirty="0"/>
+              <a:t>It can also return a '</a:t>
+            </a:r>
+            <a:r>
+              <a:rPr lang="en-IN" dirty="0" err="1"/>
+              <a:t>UrlTree</a:t>
+            </a:r>
+            <a:r>
+              <a:rPr lang="en-IN" dirty="0"/>
+              <a:t>'</a:t>
+            </a:r>
+          </a:p>
+          <a:p>
+            <a:endParaRPr lang="en-IN" i="1" dirty="0"/>
+          </a:p>
+          <a:p>
+            <a:r>
+              <a:rPr lang="en-IN" dirty="0"/>
+              <a:t>We'll look at two of the route guards</a:t>
+            </a:r>
+            <a:r>
+              <a:rPr lang="en-IN" i="1" dirty="0"/>
+              <a:t>:</a:t>
+            </a:r>
+          </a:p>
+          <a:p>
+            <a:pPr lvl="1"/>
+            <a:r>
+              <a:rPr lang="en-IN" i="1" dirty="0" err="1"/>
+              <a:t>CanDeactivate</a:t>
+            </a:r>
+            <a:r>
+              <a:rPr lang="en-IN" dirty="0"/>
+              <a:t>: handling unsaved changes</a:t>
+            </a:r>
+          </a:p>
+          <a:p>
+            <a:pPr lvl="1"/>
+            <a:r>
+              <a:rPr lang="en-IN" i="1" dirty="0" err="1"/>
+              <a:t>CanActivate</a:t>
+            </a:r>
+            <a:r>
+              <a:rPr lang="en-IN" dirty="0"/>
+              <a:t>: requiring authentication</a:t>
+            </a:r>
+          </a:p>
+          <a:p>
+            <a:endParaRPr lang="en-US" dirty="0"/>
+          </a:p>
+        </p:txBody>
+      </p:sp>
+      <p:sp>
+        <p:nvSpPr>
+          <p:cNvPr id="4" name="Slide Number Placeholder 3">
+            <a:extLst>
+              <a:ext uri="{FF2B5EF4-FFF2-40B4-BE49-F238E27FC236}">
+                <a16:creationId xmlns:a16="http://schemas.microsoft.com/office/drawing/2014/main" id="{0FCAF5CE-A45C-9C46-B2AE-8A7A21035F48}"/>
+              </a:ext>
+            </a:extLst>
+          </p:cNvPr>
+          <p:cNvSpPr>
+            <a:spLocks noGrp="1"/>
+          </p:cNvSpPr>
+          <p:nvPr>
+            <p:ph type="sldNum" sz="quarter" idx="4"/>
+          </p:nvPr>
+        </p:nvSpPr>
+        <p:spPr/>
+        <p:txBody>
+          <a:bodyPr/>
+          <a:lstStyle/>
+          <a:p>
+            <a:fld id="{ABBBA974-37FA-4314-8CA6-CE2859D26BDF}" type="slidenum">
+              <a:rPr lang="en-US" smtClean="0"/>
+              <a:pPr/>
+              <a:t>23</a:t>
+            </a:fld>
+            <a:endParaRPr lang="en-US"/>
+          </a:p>
+        </p:txBody>
+      </p:sp>
+    </p:spTree>
+    <p:extLst>
+      <p:ext uri="{BB962C8B-B14F-4D97-AF65-F5344CB8AC3E}">
+        <p14:creationId xmlns:p14="http://schemas.microsoft.com/office/powerpoint/2010/main" val="1275575194"/>
+      </p:ext>
+    </p:extLst>
+  </p:cSld>
+  <p:clrMapOvr>
+    <a:masterClrMapping/>
+  </p:clrMapOvr>
+</p:sld>
+</file>
+
+<file path=ppt/slides/slide24.xml><?xml version="1.0" encoding="utf-8"?>
+<p:sld xmlns:a="http://schemas.openxmlformats.org/drawingml/2006/main" xmlns:r="http://schemas.openxmlformats.org/officeDocument/2006/relationships" xmlns:p="http://schemas.openxmlformats.org/presentationml/2006/main">
+  <p:cSld>
+    <p:spTree>
+      <p:nvGrpSpPr>
+        <p:cNvPr id="1" name=""/>
+        <p:cNvGrpSpPr/>
+        <p:nvPr/>
+      </p:nvGrpSpPr>
+      <p:grpSpPr>
+        <a:xfrm>
+          <a:off x="0" y="0"/>
+          <a:ext cx="0" cy="0"/>
+          <a:chOff x="0" y="0"/>
+          <a:chExt cx="0" cy="0"/>
+        </a:xfrm>
+      </p:grpSpPr>
+      <p:sp>
+        <p:nvSpPr>
+          <p:cNvPr id="2" name="Title 1">
+            <a:extLst>
+              <a:ext uri="{FF2B5EF4-FFF2-40B4-BE49-F238E27FC236}">
+                <a16:creationId xmlns:a16="http://schemas.microsoft.com/office/drawing/2014/main" id="{7772156D-1086-1C4F-8D7C-7AEF751435DA}"/>
+              </a:ext>
+            </a:extLst>
+          </p:cNvPr>
+          <p:cNvSpPr>
+            <a:spLocks noGrp="1"/>
+          </p:cNvSpPr>
+          <p:nvPr>
+            <p:ph type="title"/>
+          </p:nvPr>
+        </p:nvSpPr>
+        <p:spPr/>
+        <p:txBody>
+          <a:bodyPr/>
+          <a:lstStyle/>
+          <a:p>
+            <a:r>
+              <a:rPr lang="en-US" dirty="0"/>
+              <a:t>More to Discover</a:t>
+            </a:r>
+          </a:p>
+        </p:txBody>
+      </p:sp>
+      <p:sp>
+        <p:nvSpPr>
+          <p:cNvPr id="3" name="Content Placeholder 2">
+            <a:extLst>
+              <a:ext uri="{FF2B5EF4-FFF2-40B4-BE49-F238E27FC236}">
+                <a16:creationId xmlns:a16="http://schemas.microsoft.com/office/drawing/2014/main" id="{90E84234-EE61-9043-AF63-B3095CFA9B6C}"/>
+              </a:ext>
+            </a:extLst>
+          </p:cNvPr>
+          <p:cNvSpPr>
+            <a:spLocks noGrp="1"/>
+          </p:cNvSpPr>
+          <p:nvPr>
+            <p:ph idx="1"/>
+          </p:nvPr>
+        </p:nvSpPr>
+        <p:spPr/>
+        <p:txBody>
+          <a:bodyPr/>
+          <a:lstStyle/>
+          <a:p>
+            <a:r>
+              <a:rPr lang="en-US" dirty="0"/>
+              <a:t>Lazy loading a feature module</a:t>
+            </a:r>
+          </a:p>
+          <a:p>
+            <a:r>
+              <a:rPr lang="en-US" dirty="0"/>
+              <a:t>Angular animations</a:t>
+            </a:r>
+          </a:p>
+          <a:p>
+            <a:r>
+              <a:rPr lang="en-US" dirty="0"/>
+              <a:t>Angular Dependency Injection and navigating the component tree.</a:t>
+            </a:r>
+          </a:p>
+          <a:p>
+            <a:endParaRPr lang="en-US" dirty="0"/>
+          </a:p>
+          <a:p>
+            <a:r>
+              <a:rPr lang="en-US" dirty="0"/>
+              <a:t>Unit-testing with Jasmine</a:t>
+            </a:r>
+          </a:p>
+          <a:p>
+            <a:r>
+              <a:rPr lang="en-US" dirty="0"/>
+              <a:t>E2E testing with Protractor</a:t>
+            </a:r>
+          </a:p>
+          <a:p>
+            <a:r>
+              <a:rPr lang="en-US" dirty="0"/>
+              <a:t>The MEAN stack (Mongo, Express, Angular and Node).</a:t>
+            </a:r>
+          </a:p>
+        </p:txBody>
+      </p:sp>
+      <p:sp>
+        <p:nvSpPr>
+          <p:cNvPr id="4" name="Slide Number Placeholder 3">
+            <a:extLst>
+              <a:ext uri="{FF2B5EF4-FFF2-40B4-BE49-F238E27FC236}">
+                <a16:creationId xmlns:a16="http://schemas.microsoft.com/office/drawing/2014/main" id="{DB7DBBDE-3AE0-D642-9534-6469B6C61885}"/>
+              </a:ext>
+            </a:extLst>
+          </p:cNvPr>
+          <p:cNvSpPr>
+            <a:spLocks noGrp="1"/>
+          </p:cNvSpPr>
+          <p:nvPr>
+            <p:ph type="sldNum" sz="quarter" idx="4"/>
+          </p:nvPr>
+        </p:nvSpPr>
+        <p:spPr/>
+        <p:txBody>
+          <a:bodyPr/>
+          <a:lstStyle/>
+          <a:p>
+            <a:fld id="{ABBBA974-37FA-4314-8CA6-CE2859D26BDF}" type="slidenum">
+              <a:rPr lang="en-US" smtClean="0"/>
+              <a:pPr/>
+              <a:t>24</a:t>
+            </a:fld>
+            <a:endParaRPr lang="en-US"/>
+          </a:p>
+        </p:txBody>
+      </p:sp>
+    </p:spTree>
+    <p:extLst>
+      <p:ext uri="{BB962C8B-B14F-4D97-AF65-F5344CB8AC3E}">
+        <p14:creationId xmlns:p14="http://schemas.microsoft.com/office/powerpoint/2010/main" val="2805688388"/>
       </p:ext>
     </p:extLst>
   </p:cSld>
@@ -12928,7 +15414,7 @@
             <a:pPr lvl="1"/>
             <a:r>
               <a:rPr lang="en-US" b="1" i="1" dirty="0"/>
-              <a:t>Reactive forms: </a:t>
+              <a:t>Model-driven aka Reactive forms: </a:t>
             </a:r>
             <a:r>
               <a:rPr lang="en-US" dirty="0"/>
@@ -13049,6 +15535,58 @@
           <a:p>
             <a:r>
               <a:rPr lang="en-IN" dirty="0"/>
+              <a:t>The </a:t>
+            </a:r>
+            <a:r>
+              <a:rPr lang="en-IN" dirty="0">
+                <a:solidFill>
+                  <a:schemeClr val="tx2">
+                    <a:lumMod val="60000"/>
+                    <a:lumOff val="40000"/>
+                  </a:schemeClr>
+                </a:solidFill>
+                <a:latin typeface="Consolas" panose="020B0609020204030204" pitchFamily="49" charset="0"/>
+                <a:cs typeface="Consolas" panose="020B0609020204030204" pitchFamily="49" charset="0"/>
+              </a:rPr>
+              <a:t>[(</a:t>
+            </a:r>
+            <a:r>
+              <a:rPr lang="en-IN" dirty="0" err="1">
+                <a:solidFill>
+                  <a:schemeClr val="tx2">
+                    <a:lumMod val="60000"/>
+                    <a:lumOff val="40000"/>
+                  </a:schemeClr>
+                </a:solidFill>
+                <a:latin typeface="Consolas" panose="020B0609020204030204" pitchFamily="49" charset="0"/>
+                <a:cs typeface="Consolas" panose="020B0609020204030204" pitchFamily="49" charset="0"/>
+              </a:rPr>
+              <a:t>ngModel</a:t>
+            </a:r>
+            <a:r>
+              <a:rPr lang="en-IN" dirty="0">
+                <a:solidFill>
+                  <a:schemeClr val="tx2">
+                    <a:lumMod val="60000"/>
+                    <a:lumOff val="40000"/>
+                  </a:schemeClr>
+                </a:solidFill>
+                <a:latin typeface="Consolas" panose="020B0609020204030204" pitchFamily="49" charset="0"/>
+                <a:cs typeface="Consolas" panose="020B0609020204030204" pitchFamily="49" charset="0"/>
+              </a:rPr>
+              <a:t>)] </a:t>
+            </a:r>
+            <a:r>
+              <a:rPr lang="en-IN" dirty="0"/>
+              <a:t>syntax enables two-way binding.</a:t>
+            </a:r>
+          </a:p>
+          <a:p>
+            <a:endParaRPr lang="en-IN" dirty="0"/>
+          </a:p>
+          <a:p>
+            <a:r>
+              <a:rPr lang="en-IN" dirty="0"/>
               <a:t>A </a:t>
             </a:r>
             <a:r>
@@ -13070,6 +15608,9 @@
             </a:r>
           </a:p>
           <a:p>
+            <a:endParaRPr lang="en-IN" dirty="0"/>
+          </a:p>
+          <a:p>
             <a:r>
               <a:rPr lang="en-IN" dirty="0"/>
               <a:t>Defining a </a:t>
@@ -13088,12 +15629,8 @@
               <a:t>name</a:t>
             </a:r>
             <a:r>
-              <a:rPr lang="en-IN"/>
-              <a:t> property </a:t>
-            </a:r>
-            <a:r>
               <a:rPr lang="en-IN" dirty="0"/>
-              <a:t>is mandatory when using </a:t>
+              <a:t> property is mandatory when using </a:t>
             </a:r>
             <a:r>
               <a:rPr lang="en-IN" dirty="0">
@@ -13138,6 +15675,8 @@
               <a:rPr lang="en-IN" dirty="0"/>
               <a:t> in combination with a form.</a:t>
             </a:r>
+          </a:p>
+          <a:p>
             <a:endParaRPr lang="en-US" dirty="0"/>
           </a:p>
         </p:txBody>
@@ -13201,41 +15740,6 @@
           </a:p>
         </p:txBody>
       </p:sp>
-      <p:pic>
-        <p:nvPicPr>
-          <p:cNvPr id="6" name="Content Placeholder 5">
-            <a:extLst>
-              <a:ext uri="{FF2B5EF4-FFF2-40B4-BE49-F238E27FC236}">
-                <a16:creationId xmlns:a16="http://schemas.microsoft.com/office/drawing/2014/main" id="{E9D23536-228C-7342-AA91-5E08688D4C42}"/>
-              </a:ext>
-            </a:extLst>
-          </p:cNvPr>
-          <p:cNvPicPr>
-            <a:picLocks noGrp="1" noChangeAspect="1"/>
-          </p:cNvPicPr>
-          <p:nvPr>
-            <p:ph idx="1"/>
-          </p:nvPr>
-        </p:nvPicPr>
-        <p:blipFill>
-          <a:blip r:embed="rId2">
-            <a:extLst>
-              <a:ext uri="{28A0092B-C50C-407E-A947-70E740481C1C}">
-                <a14:useLocalDpi xmlns:a14="http://schemas.microsoft.com/office/drawing/2010/main" val="0"/>
-              </a:ext>
-            </a:extLst>
-          </a:blip>
-          <a:stretch>
-            <a:fillRect/>
-          </a:stretch>
-        </p:blipFill>
-        <p:spPr>
-          <a:xfrm>
-            <a:off x="1977469" y="1719613"/>
-            <a:ext cx="5189061" cy="2504373"/>
-          </a:xfrm>
-        </p:spPr>
-      </p:pic>
       <p:sp>
         <p:nvSpPr>
           <p:cNvPr id="4" name="Slide Number Placeholder 3">
@@ -13266,10 +15770,88 @@
           </a:p>
         </p:txBody>
       </p:sp>
+      <p:sp>
+        <p:nvSpPr>
+          <p:cNvPr id="5" name="Content Placeholder 4">
+            <a:extLst>
+              <a:ext uri="{FF2B5EF4-FFF2-40B4-BE49-F238E27FC236}">
+                <a16:creationId xmlns:a16="http://schemas.microsoft.com/office/drawing/2014/main" id="{5BB69D6E-E3A0-4A4B-9B57-271D1B2A9E5A}"/>
+              </a:ext>
+            </a:extLst>
+          </p:cNvPr>
+          <p:cNvSpPr>
+            <a:spLocks noGrp="1"/>
+          </p:cNvSpPr>
+          <p:nvPr>
+            <p:ph idx="1"/>
+          </p:nvPr>
+        </p:nvSpPr>
+        <p:spPr/>
+        <p:txBody>
+          <a:bodyPr/>
+          <a:lstStyle/>
+          <a:p>
+            <a:r>
+              <a:rPr lang="en-IN" dirty="0"/>
+              <a:t>The </a:t>
+            </a:r>
+            <a:r>
+              <a:rPr lang="en-IN" i="1" dirty="0" err="1"/>
+              <a:t>NgModel</a:t>
+            </a:r>
+            <a:r>
+              <a:rPr lang="en-IN" dirty="0"/>
+              <a:t> directive doesn't just track state; it updates the control with special Angular CSS classes that reflect the state.</a:t>
+            </a:r>
+          </a:p>
+          <a:p>
+            <a:endParaRPr lang="en-IN" dirty="0"/>
+          </a:p>
+          <a:p>
+            <a:endParaRPr lang="en-US" dirty="0"/>
+          </a:p>
+        </p:txBody>
+      </p:sp>
+      <p:pic>
+        <p:nvPicPr>
+          <p:cNvPr id="6" name="Content Placeholder 5">
+            <a:extLst>
+              <a:ext uri="{FF2B5EF4-FFF2-40B4-BE49-F238E27FC236}">
+                <a16:creationId xmlns:a16="http://schemas.microsoft.com/office/drawing/2014/main" id="{D49833FD-44EF-B843-8E34-86CDA03FD55B}"/>
+              </a:ext>
+            </a:extLst>
+          </p:cNvPr>
+          <p:cNvPicPr>
+            <a:picLocks noChangeAspect="1"/>
+          </p:cNvPicPr>
+          <p:nvPr/>
+        </p:nvPicPr>
+        <p:blipFill>
+          <a:blip r:embed="rId2">
+            <a:extLst>
+              <a:ext uri="{28A0092B-C50C-407E-A947-70E740481C1C}">
+                <a14:useLocalDpi xmlns:a14="http://schemas.microsoft.com/office/drawing/2010/main" val="0"/>
+              </a:ext>
+            </a:extLst>
+          </a:blip>
+          <a:stretch>
+            <a:fillRect/>
+          </a:stretch>
+        </p:blipFill>
+        <p:spPr>
+          <a:xfrm>
+            <a:off x="797442" y="2584535"/>
+            <a:ext cx="5645800" cy="2724807"/>
+          </a:xfrm>
+          <a:prstGeom prst="rect">
+            <a:avLst/>
+          </a:prstGeom>
+        </p:spPr>
+      </p:pic>
     </p:spTree>
     <p:extLst>
       <p:ext uri="{BB962C8B-B14F-4D97-AF65-F5344CB8AC3E}">
-        <p14:creationId xmlns:p14="http://schemas.microsoft.com/office/powerpoint/2010/main" val="1407595008"/>
+        <p14:creationId xmlns:p14="http://schemas.microsoft.com/office/powerpoint/2010/main" val="282077876"/>
       </p:ext>
     </p:extLst>
   </p:cSld>
